--- a/pcsc_skylab.pptx
+++ b/pcsc_skylab.pptx
@@ -4544,11 +4544,7 @@
         <a:p>
           <a:r>
             <a:rPr lang="en-US" dirty="0" smtClean="0"/>
-            <a:t>Send input </a:t>
-          </a:r>
-          <a:r>
-            <a:rPr lang="en-US" dirty="0" smtClean="0"/>
-            <a:t>files to cluster</a:t>
+            <a:t>Send input files to cluster</a:t>
           </a:r>
           <a:endParaRPr lang="en-US" dirty="0"/>
         </a:p>
@@ -4585,11 +4581,7 @@
         <a:p>
           <a:r>
             <a:rPr lang="en-US" dirty="0" smtClean="0"/>
-            <a:t>Execute </a:t>
-          </a:r>
-          <a:r>
-            <a:rPr lang="en-US" dirty="0" smtClean="0"/>
-            <a:t>task commands</a:t>
+            <a:t>Execute task commands</a:t>
           </a:r>
           <a:endParaRPr lang="en-US" dirty="0"/>
         </a:p>
@@ -4663,11 +4655,7 @@
         <a:p>
           <a:r>
             <a:rPr lang="en-US" dirty="0" smtClean="0"/>
-            <a:t>Serve output </a:t>
-          </a:r>
-          <a:r>
-            <a:rPr lang="en-US" dirty="0" smtClean="0"/>
-            <a:t>files</a:t>
+            <a:t>Serve output files</a:t>
           </a:r>
           <a:endParaRPr lang="en-US" dirty="0"/>
         </a:p>
@@ -7245,11 +7233,7 @@
           </a:pPr>
           <a:r>
             <a:rPr lang="en-US" sz="1900" kern="1200" dirty="0" smtClean="0"/>
-            <a:t>Send input </a:t>
-          </a:r>
-          <a:r>
-            <a:rPr lang="en-US" sz="1900" kern="1200" dirty="0" smtClean="0"/>
-            <a:t>files to cluster</a:t>
+            <a:t>Send input files to cluster</a:t>
           </a:r>
           <a:endParaRPr lang="en-US" sz="1900" kern="1200" dirty="0"/>
         </a:p>
@@ -7458,11 +7442,7 @@
           </a:pPr>
           <a:r>
             <a:rPr lang="en-US" sz="1900" kern="1200" dirty="0" smtClean="0"/>
-            <a:t>Execute </a:t>
-          </a:r>
-          <a:r>
-            <a:rPr lang="en-US" sz="1900" kern="1200" dirty="0" smtClean="0"/>
-            <a:t>task commands</a:t>
+            <a:t>Execute task commands</a:t>
           </a:r>
           <a:endParaRPr lang="en-US" sz="1900" kern="1200" dirty="0"/>
         </a:p>
@@ -7880,11 +7860,7 @@
           </a:pPr>
           <a:r>
             <a:rPr lang="en-US" sz="1900" kern="1200" dirty="0" smtClean="0"/>
-            <a:t>Serve output </a:t>
-          </a:r>
-          <a:r>
-            <a:rPr lang="en-US" sz="1900" kern="1200" dirty="0" smtClean="0"/>
-            <a:t>files</a:t>
+            <a:t>Serve output files</a:t>
           </a:r>
           <a:endParaRPr lang="en-US" sz="1900" kern="1200" dirty="0"/>
         </a:p>
@@ -13442,7 +13418,7 @@
             <a:fld id="{59088EAF-6ECA-4616-85EF-35AA19C641F3}" type="datetimeFigureOut">
               <a:rPr lang="en-US"/>
               <a:pPr/>
-              <a:t>2/21/2017</a:t>
+              <a:t>2/22/2017</a:t>
             </a:fld>
             <a:endParaRPr/>
           </a:p>
@@ -13609,7 +13585,7 @@
             <a:fld id="{3ABD2D7A-D230-4F91-BD59-0A39C2703BA8}" type="datetimeFigureOut">
               <a:rPr lang="en-US"/>
               <a:pPr/>
-              <a:t>2/21/2017</a:t>
+              <a:t>2/22/2017</a:t>
             </a:fld>
             <a:endParaRPr/>
           </a:p>
@@ -13875,6 +13851,88 @@
     </a:lvl9pPr>
   </p:notesStyle>
 </p:notesMaster>
+</file>
+
+<file path=ppt/notesSlides/notesSlide1.xml><?xml version="1.0" encoding="utf-8"?>
+<p:notes xmlns:a="http://schemas.openxmlformats.org/drawingml/2006/main" xmlns:r="http://schemas.openxmlformats.org/officeDocument/2006/relationships" xmlns:p="http://schemas.openxmlformats.org/presentationml/2006/main">
+  <p:cSld>
+    <p:spTree>
+      <p:nvGrpSpPr>
+        <p:cNvPr id="1" name=""/>
+        <p:cNvGrpSpPr/>
+        <p:nvPr/>
+      </p:nvGrpSpPr>
+      <p:grpSpPr>
+        <a:xfrm>
+          <a:off x="0" y="0"/>
+          <a:ext cx="0" cy="0"/>
+          <a:chOff x="0" y="0"/>
+          <a:chExt cx="0" cy="0"/>
+        </a:xfrm>
+      </p:grpSpPr>
+      <p:sp>
+        <p:nvSpPr>
+          <p:cNvPr id="2" name="Slide Image Placeholder 1"/>
+          <p:cNvSpPr>
+            <a:spLocks noGrp="1" noRot="1" noChangeAspect="1"/>
+          </p:cNvSpPr>
+          <p:nvPr>
+            <p:ph type="sldImg"/>
+          </p:nvPr>
+        </p:nvSpPr>
+        <p:spPr/>
+      </p:sp>
+      <p:sp>
+        <p:nvSpPr>
+          <p:cNvPr id="3" name="Notes Placeholder 2"/>
+          <p:cNvSpPr>
+            <a:spLocks noGrp="1"/>
+          </p:cNvSpPr>
+          <p:nvPr>
+            <p:ph type="body" idx="1"/>
+          </p:nvPr>
+        </p:nvSpPr>
+        <p:spPr/>
+        <p:txBody>
+          <a:bodyPr>
+            <a:normAutofit/>
+          </a:bodyPr>
+          <a:lstStyle/>
+          <a:p>
+            <a:endParaRPr lang="en-US"/>
+          </a:p>
+        </p:txBody>
+      </p:sp>
+      <p:sp>
+        <p:nvSpPr>
+          <p:cNvPr id="4" name="Slide Number Placeholder 3"/>
+          <p:cNvSpPr>
+            <a:spLocks noGrp="1"/>
+          </p:cNvSpPr>
+          <p:nvPr>
+            <p:ph type="sldNum" sz="quarter" idx="10"/>
+          </p:nvPr>
+        </p:nvSpPr>
+        <p:spPr/>
+        <p:txBody>
+          <a:bodyPr/>
+          <a:lstStyle/>
+          <a:p>
+            <a:fld id="{F93199CD-3E1B-4AE6-990F-76F925F5EA9F}" type="slidenum">
+              <a:rPr lang="en-US" smtClean="0"/>
+              <a:pPr/>
+              <a:t>18</a:t>
+            </a:fld>
+            <a:endParaRPr lang="en-US"/>
+          </a:p>
+        </p:txBody>
+      </p:sp>
+    </p:spTree>
+  </p:cSld>
+  <p:clrMapOvr>
+    <a:masterClrMapping/>
+  </p:clrMapOvr>
+</p:notes>
 </file>
 
 <file path=ppt/slideLayouts/slideLayout1.xml><?xml version="1.0" encoding="utf-8"?>
@@ -14203,6 +14261,10 @@
           <a:bodyPr/>
           <a:lstStyle/>
           <a:p>
+            <a:r>
+              <a:rPr lang="en-US" smtClean="0"/>
+              <a:t>1 J. P. Chin, V. A. Diehl, and K. L. Norman. 1988. Development of an instrument measuring user satisfaction of the human-computer interface. In Proceedings of SIGCHI ’88 ACM/SIGCHI. New York, 213–218.</a:t>
+            </a:r>
             <a:endParaRPr lang="en-US"/>
           </a:p>
         </p:txBody>
@@ -14222,10 +14284,9 @@
           <a:bodyPr/>
           <a:lstStyle/>
           <a:p>
-            <a:fld id="{03F41C87-7AD9-4845-A077-840E4A0F3F06}" type="datetimeFigureOut">
+            <a:fld id="{354022EB-4218-4A41-B618-BDAA5892C1DF}" type="datetime1">
               <a:rPr lang="en-US" smtClean="0"/>
-              <a:pPr/>
-              <a:t>2/21/2017</a:t>
+              <a:t>2/22/2017</a:t>
             </a:fld>
             <a:endParaRPr lang="en-US"/>
           </a:p>
@@ -14397,6 +14458,10 @@
           <a:bodyPr/>
           <a:lstStyle/>
           <a:p>
+            <a:r>
+              <a:rPr lang="en-US" smtClean="0"/>
+              <a:t>1 J. P. Chin, V. A. Diehl, and K. L. Norman. 1988. Development of an instrument measuring user satisfaction of the human-computer interface. In Proceedings of SIGCHI ’88 ACM/SIGCHI. New York, 213–218.</a:t>
+            </a:r>
             <a:endParaRPr lang="en-US"/>
           </a:p>
         </p:txBody>
@@ -14416,10 +14481,9 @@
           <a:bodyPr/>
           <a:lstStyle/>
           <a:p>
-            <a:fld id="{03F41C87-7AD9-4845-A077-840E4A0F3F06}" type="datetimeFigureOut">
+            <a:fld id="{62A0BB3E-C46F-4973-9AD4-C4470BC755C5}" type="datetime1">
               <a:rPr lang="en-US" smtClean="0"/>
-              <a:pPr/>
-              <a:t>2/21/2017</a:t>
+              <a:t>2/22/2017</a:t>
             </a:fld>
             <a:endParaRPr lang="en-US"/>
           </a:p>
@@ -14588,6 +14652,10 @@
           <a:bodyPr/>
           <a:lstStyle/>
           <a:p>
+            <a:r>
+              <a:rPr lang="en-US" smtClean="0"/>
+              <a:t>1 J. P. Chin, V. A. Diehl, and K. L. Norman. 1988. Development of an instrument measuring user satisfaction of the human-computer interface. In Proceedings of SIGCHI ’88 ACM/SIGCHI. New York, 213–218.</a:t>
+            </a:r>
             <a:endParaRPr lang="en-US" dirty="0"/>
           </a:p>
         </p:txBody>
@@ -14607,10 +14675,9 @@
           <a:bodyPr/>
           <a:lstStyle/>
           <a:p>
-            <a:fld id="{03F41C87-7AD9-4845-A077-840E4A0F3F06}" type="datetimeFigureOut">
+            <a:fld id="{94FA2A83-B600-4D20-A6A1-F840BE19C359}" type="datetime1">
               <a:rPr lang="en-US" smtClean="0"/>
-              <a:pPr/>
-              <a:t>2/21/2017</a:t>
+              <a:t>2/22/2017</a:t>
             </a:fld>
             <a:endParaRPr lang="en-US"/>
           </a:p>
@@ -14870,6 +14937,10 @@
           <a:bodyPr/>
           <a:lstStyle/>
           <a:p>
+            <a:r>
+              <a:rPr lang="en-US" smtClean="0"/>
+              <a:t>1 J. P. Chin, V. A. Diehl, and K. L. Norman. 1988. Development of an instrument measuring user satisfaction of the human-computer interface. In Proceedings of SIGCHI ’88 ACM/SIGCHI. New York, 213–218.</a:t>
+            </a:r>
             <a:endParaRPr lang="en-US" dirty="0"/>
           </a:p>
         </p:txBody>
@@ -14889,10 +14960,9 @@
           <a:bodyPr/>
           <a:lstStyle/>
           <a:p>
-            <a:fld id="{03F41C87-7AD9-4845-A077-840E4A0F3F06}" type="datetimeFigureOut">
+            <a:fld id="{5CA9B8A1-1897-40A6-AB5A-283CBD3181E5}" type="datetime1">
               <a:rPr lang="en-US" smtClean="0"/>
-              <a:pPr/>
-              <a:t>2/21/2017</a:t>
+              <a:t>2/22/2017</a:t>
             </a:fld>
             <a:endParaRPr lang="en-US"/>
           </a:p>
@@ -15176,6 +15246,10 @@
           <a:bodyPr/>
           <a:lstStyle/>
           <a:p>
+            <a:r>
+              <a:rPr lang="en-US" smtClean="0"/>
+              <a:t>1 J. P. Chin, V. A. Diehl, and K. L. Norman. 1988. Development of an instrument measuring user satisfaction of the human-computer interface. In Proceedings of SIGCHI ’88 ACM/SIGCHI. New York, 213–218.</a:t>
+            </a:r>
             <a:endParaRPr lang="en-US" dirty="0"/>
           </a:p>
         </p:txBody>
@@ -15195,10 +15269,9 @@
           <a:bodyPr/>
           <a:lstStyle/>
           <a:p>
-            <a:fld id="{03F41C87-7AD9-4845-A077-840E4A0F3F06}" type="datetimeFigureOut">
+            <a:fld id="{22ECB096-5896-4B09-8CC9-67A0177BDC20}" type="datetime1">
               <a:rPr lang="en-US" smtClean="0"/>
-              <a:pPr/>
-              <a:t>2/21/2017</a:t>
+              <a:t>2/22/2017</a:t>
             </a:fld>
             <a:endParaRPr lang="en-US"/>
           </a:p>
@@ -15634,6 +15707,10 @@
           <a:bodyPr/>
           <a:lstStyle/>
           <a:p>
+            <a:r>
+              <a:rPr lang="en-US" smtClean="0"/>
+              <a:t>1 J. P. Chin, V. A. Diehl, and K. L. Norman. 1988. Development of an instrument measuring user satisfaction of the human-computer interface. In Proceedings of SIGCHI ’88 ACM/SIGCHI. New York, 213–218.</a:t>
+            </a:r>
             <a:endParaRPr lang="en-US" dirty="0"/>
           </a:p>
         </p:txBody>
@@ -15653,10 +15730,9 @@
           <a:bodyPr/>
           <a:lstStyle/>
           <a:p>
-            <a:fld id="{03F41C87-7AD9-4845-A077-840E4A0F3F06}" type="datetimeFigureOut">
+            <a:fld id="{B2027AEE-D62A-413E-A4FE-3444F439DFDE}" type="datetime1">
               <a:rPr lang="en-US" smtClean="0"/>
-              <a:pPr/>
-              <a:t>2/21/2017</a:t>
+              <a:t>2/22/2017</a:t>
             </a:fld>
             <a:endParaRPr lang="en-US"/>
           </a:p>
@@ -15766,6 +15842,10 @@
           <a:bodyPr/>
           <a:lstStyle/>
           <a:p>
+            <a:r>
+              <a:rPr lang="en-US" smtClean="0"/>
+              <a:t>1 J. P. Chin, V. A. Diehl, and K. L. Norman. 1988. Development of an instrument measuring user satisfaction of the human-computer interface. In Proceedings of SIGCHI ’88 ACM/SIGCHI. New York, 213–218.</a:t>
+            </a:r>
             <a:endParaRPr lang="en-US"/>
           </a:p>
         </p:txBody>
@@ -15785,10 +15865,9 @@
           <a:bodyPr/>
           <a:lstStyle/>
           <a:p>
-            <a:fld id="{03F41C87-7AD9-4845-A077-840E4A0F3F06}" type="datetimeFigureOut">
+            <a:fld id="{23FECC2B-1E90-4845-A0E3-C699239D597E}" type="datetime1">
               <a:rPr lang="en-US" smtClean="0"/>
-              <a:pPr/>
-              <a:t>2/21/2017</a:t>
+              <a:t>2/22/2017</a:t>
             </a:fld>
             <a:endParaRPr lang="en-US"/>
           </a:p>
@@ -15883,6 +15962,10 @@
           <a:bodyPr/>
           <a:lstStyle/>
           <a:p>
+            <a:r>
+              <a:rPr lang="en-US" smtClean="0"/>
+              <a:t>1 J. P. Chin, V. A. Diehl, and K. L. Norman. 1988. Development of an instrument measuring user satisfaction of the human-computer interface. In Proceedings of SIGCHI ’88 ACM/SIGCHI. New York, 213–218.</a:t>
+            </a:r>
             <a:endParaRPr lang="en-US"/>
           </a:p>
         </p:txBody>
@@ -15902,10 +15985,9 @@
           <a:bodyPr/>
           <a:lstStyle/>
           <a:p>
-            <a:fld id="{03F41C87-7AD9-4845-A077-840E4A0F3F06}" type="datetimeFigureOut">
+            <a:fld id="{A54A2E82-F294-4736-B75F-692F1C054A77}" type="datetime1">
               <a:rPr lang="en-US" smtClean="0"/>
-              <a:pPr/>
-              <a:t>2/21/2017</a:t>
+              <a:t>2/22/2017</a:t>
             </a:fld>
             <a:endParaRPr lang="en-US"/>
           </a:p>
@@ -16207,6 +16289,10 @@
           <a:bodyPr/>
           <a:lstStyle/>
           <a:p>
+            <a:r>
+              <a:rPr lang="en-US" smtClean="0"/>
+              <a:t>1 J. P. Chin, V. A. Diehl, and K. L. Norman. 1988. Development of an instrument measuring user satisfaction of the human-computer interface. In Proceedings of SIGCHI ’88 ACM/SIGCHI. New York, 213–218.</a:t>
+            </a:r>
             <a:endParaRPr lang="en-US"/>
           </a:p>
         </p:txBody>
@@ -16226,10 +16312,9 @@
           <a:bodyPr/>
           <a:lstStyle/>
           <a:p>
-            <a:fld id="{03F41C87-7AD9-4845-A077-840E4A0F3F06}" type="datetimeFigureOut">
+            <a:fld id="{72BA0450-2D41-499D-9B94-48FDB45615F4}" type="datetime1">
               <a:rPr lang="en-US" smtClean="0"/>
-              <a:pPr/>
-              <a:t>2/21/2017</a:t>
+              <a:t>2/22/2017</a:t>
             </a:fld>
             <a:endParaRPr lang="en-US"/>
           </a:p>
@@ -16520,6 +16605,10 @@
           <a:bodyPr/>
           <a:lstStyle/>
           <a:p>
+            <a:r>
+              <a:rPr lang="en-US" smtClean="0"/>
+              <a:t>1 J. P. Chin, V. A. Diehl, and K. L. Norman. 1988. Development of an instrument measuring user satisfaction of the human-computer interface. In Proceedings of SIGCHI ’88 ACM/SIGCHI. New York, 213–218.</a:t>
+            </a:r>
             <a:endParaRPr lang="en-US" dirty="0"/>
           </a:p>
         </p:txBody>
@@ -16539,10 +16628,9 @@
           <a:bodyPr/>
           <a:lstStyle/>
           <a:p>
-            <a:fld id="{03F41C87-7AD9-4845-A077-840E4A0F3F06}" type="datetimeFigureOut">
+            <a:fld id="{C5B25A01-A52E-42D2-9D0F-DD2F7A08B684}" type="datetime1">
               <a:rPr lang="en-US" smtClean="0"/>
-              <a:pPr/>
-              <a:t>2/21/2017</a:t>
+              <a:t>2/22/2017</a:t>
             </a:fld>
             <a:endParaRPr lang="en-US"/>
           </a:p>
@@ -16756,6 +16844,10 @@
             </a:lvl1pPr>
           </a:lstStyle>
           <a:p>
+            <a:r>
+              <a:rPr lang="en-US" smtClean="0"/>
+              <a:t>1 J. P. Chin, V. A. Diehl, and K. L. Norman. 1988. Development of an instrument measuring user satisfaction of the human-computer interface. In Proceedings of SIGCHI ’88 ACM/SIGCHI. New York, 213–218.</a:t>
+            </a:r>
             <a:endParaRPr lang="en-US" dirty="0"/>
           </a:p>
         </p:txBody>
@@ -16793,10 +16885,9 @@
             </a:lvl1pPr>
           </a:lstStyle>
           <a:p>
-            <a:fld id="{03F41C87-7AD9-4845-A077-840E4A0F3F06}" type="datetimeFigureOut">
+            <a:fld id="{C0954F09-9FFE-42CD-B5DC-96C70EE94A8C}" type="datetime1">
               <a:rPr lang="en-US" smtClean="0"/>
-              <a:pPr/>
-              <a:t>2/21/2017</a:t>
+              <a:t>2/22/2017</a:t>
             </a:fld>
             <a:endParaRPr lang="en-US"/>
           </a:p>
@@ -16877,6 +16968,7 @@
       </p:transition>
     </mc:Fallback>
   </mc:AlternateContent>
+  <p:hf sldNum="0" hdr="0" ftr="0" dt="0"/>
   <p:txStyles>
     <p:titleStyle>
       <a:lvl1pPr algn="l" defTabSz="914400" rtl="0" eaLnBrk="1" latinLnBrk="0" hangingPunct="1">
@@ -17837,11 +17929,7 @@
           <a:p>
             <a:r>
               <a:rPr lang="en-US" dirty="0" smtClean="0"/>
-              <a:t>MPI cluster </a:t>
-            </a:r>
-            <a:r>
-              <a:rPr lang="en-US" dirty="0" smtClean="0"/>
-              <a:t>monitoring</a:t>
+              <a:t>MPI cluster monitoring</a:t>
             </a:r>
             <a:endParaRPr lang="en-US" dirty="0"/>
           </a:p>
@@ -17969,11 +18057,7 @@
           <a:p>
             <a:r>
               <a:rPr lang="en-US" dirty="0" smtClean="0"/>
-              <a:t>MPI cluster </a:t>
-            </a:r>
-            <a:r>
-              <a:rPr lang="en-US" dirty="0" smtClean="0"/>
-              <a:t>management</a:t>
+              <a:t>MPI cluster management</a:t>
             </a:r>
             <a:endParaRPr lang="en-US" dirty="0"/>
           </a:p>
@@ -18383,18 +18467,50 @@
           </p:nvPr>
         </p:nvPicPr>
         <p:blipFill>
-          <a:blip r:embed="rId2" cstate="print"/>
+          <a:blip r:embed="rId3" cstate="print"/>
           <a:stretch>
             <a:fillRect/>
           </a:stretch>
         </p:blipFill>
         <p:spPr>
           <a:xfrm>
-            <a:off x="2284412" y="1752600"/>
-            <a:ext cx="7366000" cy="4419600"/>
+            <a:off x="2360612" y="1524000"/>
+            <a:ext cx="6858000" cy="4114800"/>
           </a:xfrm>
         </p:spPr>
       </p:pic>
+      <p:sp>
+        <p:nvSpPr>
+          <p:cNvPr id="6" name="Footer Placeholder 4"/>
+          <p:cNvSpPr>
+            <a:spLocks noGrp="1"/>
+          </p:cNvSpPr>
+          <p:nvPr>
+            <p:ph type="ftr" sz="quarter" idx="11"/>
+          </p:nvPr>
+        </p:nvSpPr>
+        <p:spPr>
+          <a:xfrm>
+            <a:off x="989012" y="6172200"/>
+            <a:ext cx="9982200" cy="504828"/>
+          </a:xfrm>
+        </p:spPr>
+        <p:txBody>
+          <a:bodyPr/>
+          <a:lstStyle/>
+          <a:p>
+            <a:r>
+              <a:rPr lang="en-US" sz="1400" baseline="30000" dirty="0" smtClean="0"/>
+              <a:t>1 </a:t>
+            </a:r>
+            <a:r>
+              <a:rPr lang="en-US" sz="1400" dirty="0" smtClean="0"/>
+              <a:t>J. P. Chin, V. A. Diehl, and K. L. Norman. 1988. Development of an instrument measuring user satisfaction of the human-computer interface. In Proceedings of SIGCHI ’88 ACM/SIGCHI. New York, 213–218.</a:t>
+            </a:r>
+            <a:endParaRPr lang="en-US" sz="1400" dirty="0"/>
+          </a:p>
+        </p:txBody>
+      </p:sp>
     </p:spTree>
   </p:cSld>
   <p:clrMapOvr>
@@ -19539,11 +19655,7 @@
             </a:r>
             <a:r>
               <a:rPr lang="en-US" dirty="0" smtClean="0"/>
-              <a:t> form </a:t>
-            </a:r>
-            <a:r>
-              <a:rPr lang="en-US" dirty="0" smtClean="0"/>
-              <a:t>classes for </a:t>
+              <a:t> form classes for </a:t>
             </a:r>
             <a:r>
               <a:rPr lang="en-US" dirty="0" err="1" smtClean="0"/>
@@ -19585,11 +19697,7 @@
             </a:r>
             <a:r>
               <a:rPr lang="en-US" dirty="0" smtClean="0"/>
-              <a:t>  function which creates/updates database </a:t>
-            </a:r>
-            <a:r>
-              <a:rPr lang="en-US" dirty="0" smtClean="0"/>
-              <a:t>entries related with the toolset/</a:t>
+              <a:t>  function which creates/updates database entries related with the toolset/</a:t>
             </a:r>
             <a:r>
               <a:rPr lang="en-US" dirty="0" err="1" smtClean="0"/>

--- a/pcsc_skylab.pptx
+++ b/pcsc_skylab.pptx
@@ -5,10 +5,10 @@
     <p:sldMasterId id="2147483720" r:id="rId4"/>
   </p:sldMasterIdLst>
   <p:notesMasterIdLst>
-    <p:notesMasterId r:id="rId28"/>
+    <p:notesMasterId r:id="rId29"/>
   </p:notesMasterIdLst>
   <p:handoutMasterIdLst>
-    <p:handoutMasterId r:id="rId29"/>
+    <p:handoutMasterId r:id="rId30"/>
   </p:handoutMasterIdLst>
   <p:sldIdLst>
     <p:sldId id="265" r:id="rId5"/>
@@ -30,15 +30,16 @@
     <p:sldId id="350" r:id="rId21"/>
     <p:sldId id="352" r:id="rId22"/>
     <p:sldId id="336" r:id="rId23"/>
-    <p:sldId id="361" r:id="rId24"/>
-    <p:sldId id="317" r:id="rId25"/>
-    <p:sldId id="358" r:id="rId26"/>
-    <p:sldId id="359" r:id="rId27"/>
+    <p:sldId id="362" r:id="rId24"/>
+    <p:sldId id="361" r:id="rId25"/>
+    <p:sldId id="317" r:id="rId26"/>
+    <p:sldId id="358" r:id="rId27"/>
+    <p:sldId id="359" r:id="rId28"/>
   </p:sldIdLst>
   <p:sldSz cx="12188825" cy="6858000"/>
   <p:notesSz cx="6858000" cy="9144000"/>
   <p:custDataLst>
-    <p:tags r:id="rId30"/>
+    <p:tags r:id="rId31"/>
   </p:custDataLst>
   <p:defaultTextStyle>
     <a:defPPr>
@@ -137,7 +138,7 @@
   </p:defaultTextStyle>
   <p:extLst>
     <p:ext uri="{EFAFB233-063F-42B5-8137-9DF3F51BA10A}">
-      <p15:sldGuideLst xmlns:p15="http://schemas.microsoft.com/office/powerpoint/2012/main" xmlns="">
+      <p15:sldGuideLst xmlns="" xmlns:p15="http://schemas.microsoft.com/office/powerpoint/2012/main">
         <p15:guide id="1" pos="3839" userDrawn="1">
           <p15:clr>
             <a:srgbClr val="A4A3A4"/>
@@ -151,7 +152,7 @@
       </p15:sldGuideLst>
     </p:ext>
     <p:ext uri="{2D200454-40CA-4A62-9FC3-DE9A4176ACB9}">
-      <p15:notesGuideLst xmlns:p15="http://schemas.microsoft.com/office/powerpoint/2012/main" xmlns=""/>
+      <p15:notesGuideLst xmlns="" xmlns:p15="http://schemas.microsoft.com/office/powerpoint/2012/main"/>
     </p:ext>
   </p:extLst>
 </p:presentation>
@@ -237,7 +238,7 @@
                 <c:formatCode>General</c:formatCode>
                 <c:ptCount val="1"/>
                 <c:pt idx="0">
-                  <c:v>7.7172619047619095</c:v>
+                  <c:v>7.7172619047619104</c:v>
                 </c:pt>
               </c:numCache>
             </c:numRef>
@@ -357,24 +358,24 @@
             </c:numRef>
           </c:val>
         </c:ser>
-        <c:axId val="122296576"/>
-        <c:axId val="93720576"/>
+        <c:axId val="119213056"/>
+        <c:axId val="119218944"/>
       </c:barChart>
       <c:catAx>
-        <c:axId val="122296576"/>
+        <c:axId val="119213056"/>
         <c:scaling>
           <c:orientation val="minMax"/>
         </c:scaling>
         <c:axPos val="b"/>
         <c:tickLblPos val="nextTo"/>
-        <c:crossAx val="93720576"/>
+        <c:crossAx val="119218944"/>
         <c:crosses val="autoZero"/>
         <c:auto val="1"/>
         <c:lblAlgn val="ctr"/>
         <c:lblOffset val="100"/>
       </c:catAx>
       <c:valAx>
-        <c:axId val="93720576"/>
+        <c:axId val="119218944"/>
         <c:scaling>
           <c:orientation val="minMax"/>
           <c:max val="10"/>
@@ -384,7 +385,7 @@
         <c:majorGridlines/>
         <c:numFmt formatCode="General" sourceLinked="1"/>
         <c:tickLblPos val="nextTo"/>
-        <c:crossAx val="122296576"/>
+        <c:crossAx val="119213056"/>
         <c:crosses val="autoZero"/>
         <c:crossBetween val="between"/>
       </c:valAx>
@@ -9720,7 +9721,7 @@
             <a:fld id="{59088EAF-6ECA-4616-85EF-35AA19C641F3}" type="datetimeFigureOut">
               <a:rPr lang="en-US"/>
               <a:pPr/>
-              <a:t>3/13/2017</a:t>
+              <a:t>3/14/2017</a:t>
             </a:fld>
             <a:endParaRPr/>
           </a:p>
@@ -9796,7 +9797,7 @@
     </p:spTree>
     <p:extLst>
       <p:ext uri="{BB962C8B-B14F-4D97-AF65-F5344CB8AC3E}">
-        <p14:creationId xmlns:p14="http://schemas.microsoft.com/office/powerpoint/2010/main" xmlns="" val="3932065745"/>
+        <p14:creationId xmlns="" xmlns:p14="http://schemas.microsoft.com/office/powerpoint/2010/main" val="3932065745"/>
       </p:ext>
     </p:extLst>
   </p:cSld>
@@ -9887,7 +9888,7 @@
             <a:fld id="{3ABD2D7A-D230-4F91-BD59-0A39C2703BA8}" type="datetimeFigureOut">
               <a:rPr lang="en-US"/>
               <a:pPr/>
-              <a:t>3/13/2017</a:t>
+              <a:t>3/14/2017</a:t>
             </a:fld>
             <a:endParaRPr/>
           </a:p>
@@ -10055,7 +10056,7 @@
     </p:spTree>
     <p:extLst>
       <p:ext uri="{BB962C8B-B14F-4D97-AF65-F5344CB8AC3E}">
-        <p14:creationId xmlns:p14="http://schemas.microsoft.com/office/powerpoint/2010/main" xmlns="" val="4276579820"/>
+        <p14:creationId xmlns="" xmlns:p14="http://schemas.microsoft.com/office/powerpoint/2010/main" val="4276579820"/>
       </p:ext>
     </p:extLst>
   </p:cSld>
@@ -10434,7 +10435,7 @@
     </p:spTree>
     <p:extLst>
       <p:ext uri="{BB962C8B-B14F-4D97-AF65-F5344CB8AC3E}">
-        <p14:creationId xmlns="" xmlns:p14="http://schemas.microsoft.com/office/powerpoint/2010/main" val="94999051"/>
+        <p14:creationId xmlns:p14="http://schemas.microsoft.com/office/powerpoint/2010/main" xmlns="" val="94999051"/>
       </p:ext>
     </p:extLst>
   </p:cSld>
@@ -10442,7 +10443,7 @@
     <a:masterClrMapping/>
   </p:clrMapOvr>
   <mc:AlternateContent xmlns:mc="http://schemas.openxmlformats.org/markup-compatibility/2006">
-    <mc:Choice xmlns="" xmlns:p14="http://schemas.microsoft.com/office/powerpoint/2010/main" Requires="p14">
+    <mc:Choice xmlns:p14="http://schemas.microsoft.com/office/powerpoint/2010/main" xmlns="" Requires="p14">
       <p:transition spd="med" p14:dur="700">
         <p:fade/>
       </p:transition>
@@ -10589,7 +10590,7 @@
             <a:fld id="{354022EB-4218-4A41-B618-BDAA5892C1DF}" type="datetime1">
               <a:rPr lang="en-US" smtClean="0"/>
               <a:pPr/>
-              <a:t>3/13/2017</a:t>
+              <a:t>3/14/2017</a:t>
             </a:fld>
             <a:endParaRPr lang="en-US"/>
           </a:p>
@@ -10622,7 +10623,7 @@
     </p:spTree>
     <p:extLst>
       <p:ext uri="{BB962C8B-B14F-4D97-AF65-F5344CB8AC3E}">
-        <p14:creationId xmlns="" xmlns:p14="http://schemas.microsoft.com/office/powerpoint/2010/main" val="460095310"/>
+        <p14:creationId xmlns:p14="http://schemas.microsoft.com/office/powerpoint/2010/main" xmlns="" val="460095310"/>
       </p:ext>
     </p:extLst>
   </p:cSld>
@@ -10630,7 +10631,7 @@
     <a:masterClrMapping/>
   </p:clrMapOvr>
   <mc:AlternateContent xmlns:mc="http://schemas.openxmlformats.org/markup-compatibility/2006">
-    <mc:Choice xmlns="" xmlns:p14="http://schemas.microsoft.com/office/powerpoint/2010/main" Requires="p14">
+    <mc:Choice xmlns:p14="http://schemas.microsoft.com/office/powerpoint/2010/main" xmlns="" Requires="p14">
       <p:transition spd="med" p14:dur="700">
         <p:fade/>
       </p:transition>
@@ -10787,7 +10788,7 @@
             <a:fld id="{62A0BB3E-C46F-4973-9AD4-C4470BC755C5}" type="datetime1">
               <a:rPr lang="en-US" smtClean="0"/>
               <a:pPr/>
-              <a:t>3/13/2017</a:t>
+              <a:t>3/14/2017</a:t>
             </a:fld>
             <a:endParaRPr lang="en-US"/>
           </a:p>
@@ -10820,7 +10821,7 @@
     </p:spTree>
     <p:extLst>
       <p:ext uri="{BB962C8B-B14F-4D97-AF65-F5344CB8AC3E}">
-        <p14:creationId xmlns="" xmlns:p14="http://schemas.microsoft.com/office/powerpoint/2010/main" val="4079035419"/>
+        <p14:creationId xmlns:p14="http://schemas.microsoft.com/office/powerpoint/2010/main" xmlns="" val="4079035419"/>
       </p:ext>
     </p:extLst>
   </p:cSld>
@@ -10828,7 +10829,7 @@
     <a:masterClrMapping/>
   </p:clrMapOvr>
   <mc:AlternateContent xmlns:mc="http://schemas.openxmlformats.org/markup-compatibility/2006">
-    <mc:Choice xmlns="" xmlns:p14="http://schemas.microsoft.com/office/powerpoint/2010/main" Requires="p14">
+    <mc:Choice xmlns:p14="http://schemas.microsoft.com/office/powerpoint/2010/main" xmlns="" Requires="p14">
       <p:transition spd="med" p14:dur="700">
         <p:fade/>
       </p:transition>
@@ -10982,7 +10983,7 @@
             <a:fld id="{94FA2A83-B600-4D20-A6A1-F840BE19C359}" type="datetime1">
               <a:rPr lang="en-US" smtClean="0"/>
               <a:pPr/>
-              <a:t>3/13/2017</a:t>
+              <a:t>3/14/2017</a:t>
             </a:fld>
             <a:endParaRPr lang="en-US"/>
           </a:p>
@@ -11015,7 +11016,7 @@
     </p:spTree>
     <p:extLst>
       <p:ext uri="{BB962C8B-B14F-4D97-AF65-F5344CB8AC3E}">
-        <p14:creationId xmlns="" xmlns:p14="http://schemas.microsoft.com/office/powerpoint/2010/main" val="2738254095"/>
+        <p14:creationId xmlns:p14="http://schemas.microsoft.com/office/powerpoint/2010/main" xmlns="" val="2738254095"/>
       </p:ext>
     </p:extLst>
   </p:cSld>
@@ -11023,7 +11024,7 @@
     <a:masterClrMapping/>
   </p:clrMapOvr>
   <mc:AlternateContent xmlns:mc="http://schemas.openxmlformats.org/markup-compatibility/2006">
-    <mc:Choice xmlns="" xmlns:p14="http://schemas.microsoft.com/office/powerpoint/2010/main" Requires="p14">
+    <mc:Choice xmlns:p14="http://schemas.microsoft.com/office/powerpoint/2010/main" xmlns="" Requires="p14">
       <p:transition spd="med" p14:dur="700">
         <p:fade/>
       </p:transition>
@@ -11268,7 +11269,7 @@
             <a:fld id="{5CA9B8A1-1897-40A6-AB5A-283CBD3181E5}" type="datetime1">
               <a:rPr lang="en-US" smtClean="0"/>
               <a:pPr/>
-              <a:t>3/13/2017</a:t>
+              <a:t>3/14/2017</a:t>
             </a:fld>
             <a:endParaRPr lang="en-US"/>
           </a:p>
@@ -11301,7 +11302,7 @@
     </p:spTree>
     <p:extLst>
       <p:ext uri="{BB962C8B-B14F-4D97-AF65-F5344CB8AC3E}">
-        <p14:creationId xmlns="" xmlns:p14="http://schemas.microsoft.com/office/powerpoint/2010/main" val="1761813311"/>
+        <p14:creationId xmlns:p14="http://schemas.microsoft.com/office/powerpoint/2010/main" xmlns="" val="1761813311"/>
       </p:ext>
     </p:extLst>
   </p:cSld>
@@ -11309,7 +11310,7 @@
     <a:masterClrMapping/>
   </p:clrMapOvr>
   <mc:AlternateContent xmlns:mc="http://schemas.openxmlformats.org/markup-compatibility/2006">
-    <mc:Choice xmlns="" xmlns:p14="http://schemas.microsoft.com/office/powerpoint/2010/main" Requires="p14">
+    <mc:Choice xmlns:p14="http://schemas.microsoft.com/office/powerpoint/2010/main" xmlns="" Requires="p14">
       <p:transition spd="med" p14:dur="700">
         <p:fade/>
       </p:transition>
@@ -11578,7 +11579,7 @@
             <a:fld id="{22ECB096-5896-4B09-8CC9-67A0177BDC20}" type="datetime1">
               <a:rPr lang="en-US" smtClean="0"/>
               <a:pPr/>
-              <a:t>3/13/2017</a:t>
+              <a:t>3/14/2017</a:t>
             </a:fld>
             <a:endParaRPr lang="en-US"/>
           </a:p>
@@ -11611,7 +11612,7 @@
     </p:spTree>
     <p:extLst>
       <p:ext uri="{BB962C8B-B14F-4D97-AF65-F5344CB8AC3E}">
-        <p14:creationId xmlns="" xmlns:p14="http://schemas.microsoft.com/office/powerpoint/2010/main" val="2825340762"/>
+        <p14:creationId xmlns:p14="http://schemas.microsoft.com/office/powerpoint/2010/main" xmlns="" val="2825340762"/>
       </p:ext>
     </p:extLst>
   </p:cSld>
@@ -11619,7 +11620,7 @@
     <a:masterClrMapping/>
   </p:clrMapOvr>
   <mc:AlternateContent xmlns:mc="http://schemas.openxmlformats.org/markup-compatibility/2006">
-    <mc:Choice xmlns="" xmlns:p14="http://schemas.microsoft.com/office/powerpoint/2010/main" Requires="p14">
+    <mc:Choice xmlns:p14="http://schemas.microsoft.com/office/powerpoint/2010/main" xmlns="" Requires="p14">
       <p:transition spd="med" p14:dur="700">
         <p:fade/>
       </p:transition>
@@ -12040,7 +12041,7 @@
             <a:fld id="{B2027AEE-D62A-413E-A4FE-3444F439DFDE}" type="datetime1">
               <a:rPr lang="en-US" smtClean="0"/>
               <a:pPr/>
-              <a:t>3/13/2017</a:t>
+              <a:t>3/14/2017</a:t>
             </a:fld>
             <a:endParaRPr lang="en-US"/>
           </a:p>
@@ -12073,7 +12074,7 @@
     </p:spTree>
     <p:extLst>
       <p:ext uri="{BB962C8B-B14F-4D97-AF65-F5344CB8AC3E}">
-        <p14:creationId xmlns="" xmlns:p14="http://schemas.microsoft.com/office/powerpoint/2010/main" val="4208419506"/>
+        <p14:creationId xmlns:p14="http://schemas.microsoft.com/office/powerpoint/2010/main" xmlns="" val="4208419506"/>
       </p:ext>
     </p:extLst>
   </p:cSld>
@@ -12081,7 +12082,7 @@
     <a:masterClrMapping/>
   </p:clrMapOvr>
   <mc:AlternateContent xmlns:mc="http://schemas.openxmlformats.org/markup-compatibility/2006">
-    <mc:Choice xmlns="" xmlns:p14="http://schemas.microsoft.com/office/powerpoint/2010/main" Requires="p14">
+    <mc:Choice xmlns:p14="http://schemas.microsoft.com/office/powerpoint/2010/main" xmlns="" Requires="p14">
       <p:transition spd="med" p14:dur="700">
         <p:fade/>
       </p:transition>
@@ -12176,7 +12177,7 @@
             <a:fld id="{23FECC2B-1E90-4845-A0E3-C699239D597E}" type="datetime1">
               <a:rPr lang="en-US" smtClean="0"/>
               <a:pPr/>
-              <a:t>3/13/2017</a:t>
+              <a:t>3/14/2017</a:t>
             </a:fld>
             <a:endParaRPr lang="en-US"/>
           </a:p>
@@ -12209,7 +12210,7 @@
     </p:spTree>
     <p:extLst>
       <p:ext uri="{BB962C8B-B14F-4D97-AF65-F5344CB8AC3E}">
-        <p14:creationId xmlns="" xmlns:p14="http://schemas.microsoft.com/office/powerpoint/2010/main" val="1626631400"/>
+        <p14:creationId xmlns:p14="http://schemas.microsoft.com/office/powerpoint/2010/main" xmlns="" val="1626631400"/>
       </p:ext>
     </p:extLst>
   </p:cSld>
@@ -12217,7 +12218,7 @@
     <a:masterClrMapping/>
   </p:clrMapOvr>
   <mc:AlternateContent xmlns:mc="http://schemas.openxmlformats.org/markup-compatibility/2006">
-    <mc:Choice xmlns="" xmlns:p14="http://schemas.microsoft.com/office/powerpoint/2010/main" Requires="p14">
+    <mc:Choice xmlns:p14="http://schemas.microsoft.com/office/powerpoint/2010/main" xmlns="" Requires="p14">
       <p:transition spd="med" p14:dur="700">
         <p:fade/>
       </p:transition>
@@ -12297,7 +12298,7 @@
             <a:fld id="{A54A2E82-F294-4736-B75F-692F1C054A77}" type="datetime1">
               <a:rPr lang="en-US" smtClean="0"/>
               <a:pPr/>
-              <a:t>3/13/2017</a:t>
+              <a:t>3/14/2017</a:t>
             </a:fld>
             <a:endParaRPr lang="en-US"/>
           </a:p>
@@ -12330,7 +12331,7 @@
     </p:spTree>
     <p:extLst>
       <p:ext uri="{BB962C8B-B14F-4D97-AF65-F5344CB8AC3E}">
-        <p14:creationId xmlns="" xmlns:p14="http://schemas.microsoft.com/office/powerpoint/2010/main" val="3607540120"/>
+        <p14:creationId xmlns:p14="http://schemas.microsoft.com/office/powerpoint/2010/main" xmlns="" val="3607540120"/>
       </p:ext>
     </p:extLst>
   </p:cSld>
@@ -12338,7 +12339,7 @@
     <a:masterClrMapping/>
   </p:clrMapOvr>
   <mc:AlternateContent xmlns:mc="http://schemas.openxmlformats.org/markup-compatibility/2006">
-    <mc:Choice xmlns="" xmlns:p14="http://schemas.microsoft.com/office/powerpoint/2010/main" Requires="p14">
+    <mc:Choice xmlns:p14="http://schemas.microsoft.com/office/powerpoint/2010/main" xmlns="" Requires="p14">
       <p:transition spd="med" p14:dur="700">
         <p:fade/>
       </p:transition>
@@ -12625,7 +12626,7 @@
             <a:fld id="{72BA0450-2D41-499D-9B94-48FDB45615F4}" type="datetime1">
               <a:rPr lang="en-US" smtClean="0"/>
               <a:pPr/>
-              <a:t>3/13/2017</a:t>
+              <a:t>3/14/2017</a:t>
             </a:fld>
             <a:endParaRPr lang="en-US"/>
           </a:p>
@@ -12658,7 +12659,7 @@
     </p:spTree>
     <p:extLst>
       <p:ext uri="{BB962C8B-B14F-4D97-AF65-F5344CB8AC3E}">
-        <p14:creationId xmlns="" xmlns:p14="http://schemas.microsoft.com/office/powerpoint/2010/main" val="2544981540"/>
+        <p14:creationId xmlns:p14="http://schemas.microsoft.com/office/powerpoint/2010/main" xmlns="" val="2544981540"/>
       </p:ext>
     </p:extLst>
   </p:cSld>
@@ -12666,7 +12667,7 @@
     <a:masterClrMapping/>
   </p:clrMapOvr>
   <mc:AlternateContent xmlns:mc="http://schemas.openxmlformats.org/markup-compatibility/2006">
-    <mc:Choice xmlns="" xmlns:p14="http://schemas.microsoft.com/office/powerpoint/2010/main" Requires="p14">
+    <mc:Choice xmlns:p14="http://schemas.microsoft.com/office/powerpoint/2010/main" xmlns="" Requires="p14">
       <p:transition spd="med" p14:dur="700">
         <p:fade/>
       </p:transition>
@@ -12942,7 +12943,7 @@
             <a:fld id="{C5B25A01-A52E-42D2-9D0F-DD2F7A08B684}" type="datetime1">
               <a:rPr lang="en-US" smtClean="0"/>
               <a:pPr/>
-              <a:t>3/13/2017</a:t>
+              <a:t>3/14/2017</a:t>
             </a:fld>
             <a:endParaRPr lang="en-US"/>
           </a:p>
@@ -12975,7 +12976,7 @@
     </p:spTree>
     <p:extLst>
       <p:ext uri="{BB962C8B-B14F-4D97-AF65-F5344CB8AC3E}">
-        <p14:creationId xmlns="" xmlns:p14="http://schemas.microsoft.com/office/powerpoint/2010/main" val="2249172152"/>
+        <p14:creationId xmlns:p14="http://schemas.microsoft.com/office/powerpoint/2010/main" xmlns="" val="2249172152"/>
       </p:ext>
     </p:extLst>
   </p:cSld>
@@ -12983,7 +12984,7 @@
     <a:masterClrMapping/>
   </p:clrMapOvr>
   <mc:AlternateContent xmlns:mc="http://schemas.openxmlformats.org/markup-compatibility/2006">
-    <mc:Choice xmlns="" xmlns:p14="http://schemas.microsoft.com/office/powerpoint/2010/main" Requires="p14">
+    <mc:Choice xmlns:p14="http://schemas.microsoft.com/office/powerpoint/2010/main" xmlns="" Requires="p14">
       <p:transition spd="med" p14:dur="700">
         <p:fade/>
       </p:transition>
@@ -13200,7 +13201,7 @@
             <a:fld id="{C0954F09-9FFE-42CD-B5DC-96C70EE94A8C}" type="datetime1">
               <a:rPr lang="en-US" smtClean="0"/>
               <a:pPr/>
-              <a:t>3/13/2017</a:t>
+              <a:t>3/14/2017</a:t>
             </a:fld>
             <a:endParaRPr lang="en-US"/>
           </a:p>
@@ -13251,7 +13252,7 @@
     </p:spTree>
     <p:extLst>
       <p:ext uri="{BB962C8B-B14F-4D97-AF65-F5344CB8AC3E}">
-        <p14:creationId xmlns="" xmlns:p14="http://schemas.microsoft.com/office/powerpoint/2010/main" val="1403059996"/>
+        <p14:creationId xmlns:p14="http://schemas.microsoft.com/office/powerpoint/2010/main" xmlns="" val="1403059996"/>
       </p:ext>
     </p:extLst>
   </p:cSld>
@@ -13270,7 +13271,7 @@
     <p:sldLayoutId id="2147483731" r:id="rId11"/>
   </p:sldLayoutIdLst>
   <mc:AlternateContent xmlns:mc="http://schemas.openxmlformats.org/markup-compatibility/2006">
-    <mc:Choice xmlns="" xmlns:p14="http://schemas.microsoft.com/office/powerpoint/2010/main" Requires="p14">
+    <mc:Choice xmlns:p14="http://schemas.microsoft.com/office/powerpoint/2010/main" xmlns="" Requires="p14">
       <p:transition spd="med" p14:dur="700">
         <p:fade/>
       </p:transition>
@@ -13584,7 +13585,7 @@
   </p:txStyles>
   <p:extLst mod="1">
     <p:ext uri="{27BBF7A9-308A-43DC-89C8-2F10F3537804}">
-      <p15:sldGuideLst xmlns="" xmlns:p15="http://schemas.microsoft.com/office/powerpoint/2012/main">
+      <p15:sldGuideLst xmlns:p15="http://schemas.microsoft.com/office/powerpoint/2012/main" xmlns="">
         <p15:guide id="1" pos="3839" userDrawn="1">
           <p15:clr>
             <a:srgbClr val="F26B43"/>
@@ -13770,7 +13771,7 @@
     </p:spTree>
     <p:extLst>
       <p:ext uri="{BB962C8B-B14F-4D97-AF65-F5344CB8AC3E}">
-        <p14:creationId xmlns:p14="http://schemas.microsoft.com/office/powerpoint/2010/main" xmlns="" val="2808920126"/>
+        <p14:creationId xmlns="" xmlns:p14="http://schemas.microsoft.com/office/powerpoint/2010/main" val="2808920126"/>
       </p:ext>
     </p:extLst>
   </p:cSld>
@@ -13778,7 +13779,7 @@
     <a:masterClrMapping/>
   </p:clrMapOvr>
   <mc:AlternateContent xmlns:mc="http://schemas.openxmlformats.org/markup-compatibility/2006">
-    <mc:Choice xmlns:p14="http://schemas.microsoft.com/office/powerpoint/2010/main" xmlns="" Requires="p14">
+    <mc:Choice xmlns="" xmlns:p14="http://schemas.microsoft.com/office/powerpoint/2010/main" Requires="p14">
       <p:transition spd="med" p14:dur="700">
         <p:fade/>
       </p:transition>
@@ -13927,7 +13928,7 @@
     <a:masterClrMapping/>
   </p:clrMapOvr>
   <mc:AlternateContent xmlns:mc="http://schemas.openxmlformats.org/markup-compatibility/2006">
-    <mc:Choice xmlns="" xmlns:p14="http://schemas.microsoft.com/office/powerpoint/2010/main" Requires="p14">
+    <mc:Choice xmlns:p14="http://schemas.microsoft.com/office/powerpoint/2010/main" xmlns="" Requires="p14">
       <p:transition spd="med" p14:dur="700">
         <p:fade/>
       </p:transition>
@@ -14013,7 +14014,7 @@
     <a:masterClrMapping/>
   </p:clrMapOvr>
   <mc:AlternateContent xmlns:mc="http://schemas.openxmlformats.org/markup-compatibility/2006">
-    <mc:Choice xmlns="" xmlns:p14="http://schemas.microsoft.com/office/powerpoint/2010/main" Requires="p14">
+    <mc:Choice xmlns:p14="http://schemas.microsoft.com/office/powerpoint/2010/main" xmlns="" Requires="p14">
       <p:transition spd="med" p14:dur="700">
         <p:fade/>
       </p:transition>
@@ -14145,7 +14146,7 @@
     <a:masterClrMapping/>
   </p:clrMapOvr>
   <mc:AlternateContent xmlns:mc="http://schemas.openxmlformats.org/markup-compatibility/2006">
-    <mc:Choice xmlns="" xmlns:p14="http://schemas.microsoft.com/office/powerpoint/2010/main" Requires="p14">
+    <mc:Choice xmlns:p14="http://schemas.microsoft.com/office/powerpoint/2010/main" xmlns="" Requires="p14">
       <p:transition spd="med" p14:dur="700">
         <p:fade/>
       </p:transition>
@@ -14277,7 +14278,7 @@
     <a:masterClrMapping/>
   </p:clrMapOvr>
   <mc:AlternateContent xmlns:mc="http://schemas.openxmlformats.org/markup-compatibility/2006">
-    <mc:Choice xmlns="" xmlns:p14="http://schemas.microsoft.com/office/powerpoint/2010/main" Requires="p14">
+    <mc:Choice xmlns:p14="http://schemas.microsoft.com/office/powerpoint/2010/main" xmlns="" Requires="p14">
       <p:transition spd="med" p14:dur="700">
         <p:fade/>
       </p:transition>
@@ -14413,7 +14414,7 @@
     <a:masterClrMapping/>
   </p:clrMapOvr>
   <mc:AlternateContent xmlns:mc="http://schemas.openxmlformats.org/markup-compatibility/2006">
-    <mc:Choice xmlns="" xmlns:p14="http://schemas.microsoft.com/office/powerpoint/2010/main" Requires="p14">
+    <mc:Choice xmlns:p14="http://schemas.microsoft.com/office/powerpoint/2010/main" xmlns="" Requires="p14">
       <p:transition spd="med" p14:dur="700">
         <p:fade/>
       </p:transition>
@@ -14543,7 +14544,7 @@
     <a:masterClrMapping/>
   </p:clrMapOvr>
   <mc:AlternateContent xmlns:mc="http://schemas.openxmlformats.org/markup-compatibility/2006">
-    <mc:Choice xmlns="" xmlns:p14="http://schemas.microsoft.com/office/powerpoint/2010/main" Requires="p14">
+    <mc:Choice xmlns:p14="http://schemas.microsoft.com/office/powerpoint/2010/main" xmlns="" Requires="p14">
       <p:transition spd="med" p14:dur="700">
         <p:fade/>
       </p:transition>
@@ -14631,11 +14632,7 @@
           <a:p>
             <a:r>
               <a:rPr lang="en-US" dirty="0" smtClean="0"/>
-              <a:t>Sample output </a:t>
-            </a:r>
-            <a:r>
-              <a:rPr lang="en-US" dirty="0" smtClean="0"/>
-              <a:t>of IMPI Task</a:t>
+              <a:t>Sample output of IMPI Task</a:t>
             </a:r>
           </a:p>
           <a:p>
@@ -14679,7 +14676,7 @@
     <a:masterClrMapping/>
   </p:clrMapOvr>
   <mc:AlternateContent xmlns:mc="http://schemas.openxmlformats.org/markup-compatibility/2006">
-    <mc:Choice xmlns="" xmlns:p14="http://schemas.microsoft.com/office/powerpoint/2010/main" Requires="p14">
+    <mc:Choice xmlns:p14="http://schemas.microsoft.com/office/powerpoint/2010/main" xmlns="" Requires="p14">
       <p:transition spd="med" p14:dur="700">
         <p:fade/>
       </p:transition>
@@ -14813,7 +14810,7 @@
     <a:masterClrMapping/>
   </p:clrMapOvr>
   <mc:AlternateContent xmlns:mc="http://schemas.openxmlformats.org/markup-compatibility/2006">
-    <mc:Choice xmlns="" xmlns:p14="http://schemas.microsoft.com/office/powerpoint/2010/main" Requires="p14">
+    <mc:Choice xmlns:p14="http://schemas.microsoft.com/office/powerpoint/2010/main" xmlns="" Requires="p14">
       <p:transition spd="med" p14:dur="700">
         <p:fade/>
       </p:transition>
@@ -14940,7 +14937,7 @@
     <a:masterClrMapping/>
   </p:clrMapOvr>
   <mc:AlternateContent xmlns:mc="http://schemas.openxmlformats.org/markup-compatibility/2006">
-    <mc:Choice xmlns="" xmlns:p14="http://schemas.microsoft.com/office/powerpoint/2010/main" Requires="p14">
+    <mc:Choice xmlns:p14="http://schemas.microsoft.com/office/powerpoint/2010/main" xmlns="" Requires="p14">
       <p:transition spd="med" p14:dur="700">
         <p:fade/>
       </p:transition>
@@ -15026,11 +15023,7 @@
             </a:r>
             <a:r>
               <a:rPr lang="it-IT" dirty="0" smtClean="0"/>
-              <a:t>n </a:t>
-            </a:r>
-            <a:r>
-              <a:rPr lang="it-IT" dirty="0" smtClean="0"/>
-              <a:t>extensible workflow web applicaton for HPC on the cloud</a:t>
+              <a:t>n extensible workflow web applicaton for HPC on the cloud</a:t>
             </a:r>
           </a:p>
           <a:p>
@@ -15056,11 +15049,7 @@
           <a:p>
             <a:r>
               <a:rPr lang="en-US" dirty="0" smtClean="0"/>
-              <a:t>Test </a:t>
-            </a:r>
-            <a:r>
-              <a:rPr lang="en-US" dirty="0" smtClean="0"/>
-              <a:t>users found the system to be acceptable in terms of the criteria provided, in general	</a:t>
+              <a:t>Test users found the system to be acceptable in terms of the criteria provided, in general	</a:t>
             </a:r>
             <a:endParaRPr lang="en-US" dirty="0"/>
           </a:p>
@@ -15072,7 +15061,7 @@
     <a:masterClrMapping/>
   </p:clrMapOvr>
   <mc:AlternateContent xmlns:mc="http://schemas.openxmlformats.org/markup-compatibility/2006">
-    <mc:Choice xmlns="" xmlns:p14="http://schemas.microsoft.com/office/powerpoint/2010/main" Requires="p14">
+    <mc:Choice xmlns:p14="http://schemas.microsoft.com/office/powerpoint/2010/main" xmlns="" Requires="p14">
       <p:transition spd="med" p14:dur="700">
         <p:fade/>
       </p:transition>
@@ -15162,11 +15151,7 @@
           <a:p>
             <a:r>
               <a:rPr lang="en-US" dirty="0" smtClean="0"/>
-              <a:t>Allows users to submit tasks for HPC tools, and download the resulting output </a:t>
-            </a:r>
-            <a:r>
-              <a:rPr lang="en-US" dirty="0" smtClean="0"/>
-              <a:t>files</a:t>
+              <a:t>Allows users to submit tasks for HPC tools, and download the resulting output files</a:t>
             </a:r>
           </a:p>
           <a:p>
@@ -15207,7 +15192,7 @@
     <a:masterClrMapping/>
   </p:clrMapOvr>
   <mc:AlternateContent xmlns:mc="http://schemas.openxmlformats.org/markup-compatibility/2006">
-    <mc:Choice xmlns="" xmlns:p14="http://schemas.microsoft.com/office/powerpoint/2010/main" Requires="p14">
+    <mc:Choice xmlns:p14="http://schemas.microsoft.com/office/powerpoint/2010/main" xmlns="" Requires="p14">
       <p:transition spd="med" p14:dur="700">
         <p:fade/>
       </p:transition>
@@ -15247,7 +15232,7 @@
       </p:grpSpPr>
       <p:sp>
         <p:nvSpPr>
-          <p:cNvPr id="2" name="Title 1"/>
+          <p:cNvPr id="4" name="Title 3"/>
           <p:cNvSpPr>
             <a:spLocks noGrp="1"/>
           </p:cNvSpPr>
@@ -15261,12 +15246,8 @@
           <a:lstStyle/>
           <a:p>
             <a:r>
-              <a:rPr lang="en-US" dirty="0" err="1" smtClean="0"/>
-              <a:t>Github</a:t>
-            </a:r>
-            <a:r>
               <a:rPr lang="en-US" dirty="0" smtClean="0"/>
-              <a:t> repository</a:t>
+              <a:t>Acknowledgement</a:t>
             </a:r>
             <a:endParaRPr lang="en-US" dirty="0"/>
           </a:p>
@@ -15274,7 +15255,7 @@
       </p:sp>
       <p:sp>
         <p:nvSpPr>
-          <p:cNvPr id="3" name="Content Placeholder 2"/>
+          <p:cNvPr id="6" name="Content Placeholder 5"/>
           <p:cNvSpPr>
             <a:spLocks noGrp="1"/>
           </p:cNvSpPr>
@@ -15284,14 +15265,53 @@
         </p:nvSpPr>
         <p:spPr/>
         <p:txBody>
-          <a:bodyPr/>
+          <a:bodyPr>
+            <a:normAutofit/>
+          </a:bodyPr>
           <a:lstStyle/>
           <a:p>
             <a:r>
+              <a:rPr lang="en-US" dirty="0" err="1" smtClean="0"/>
+              <a:t>SkyLab</a:t>
+            </a:r>
+            <a:r>
               <a:rPr lang="en-US" dirty="0" smtClean="0"/>
-              <a:t>https://github.com/vincentpaul12/SkyLab</a:t>
-            </a:r>
-            <a:endParaRPr lang="en-US" dirty="0"/>
+              <a:t> is supported by the DOST-Accelerated Science and Technology Human Resource Development Program (DOST-ASTHRDP)</a:t>
+            </a:r>
+            <a:endParaRPr lang="it-IT" dirty="0" smtClean="0"/>
+          </a:p>
+          <a:p>
+            <a:r>
+              <a:rPr lang="en-US" dirty="0" smtClean="0"/>
+              <a:t> </a:t>
+            </a:r>
+            <a:r>
+              <a:rPr lang="en-US" dirty="0" smtClean="0"/>
+              <a:t>We would like to thank our collaborators who provided the use cases for the tools, Dr. Marlon </a:t>
+            </a:r>
+            <a:r>
+              <a:rPr lang="en-US" dirty="0" err="1" smtClean="0"/>
+              <a:t>Manalo</a:t>
+            </a:r>
+            <a:r>
+              <a:rPr lang="en-US" dirty="0" smtClean="0"/>
+              <a:t> (Chemistry), and Prof. Arian </a:t>
+            </a:r>
+            <a:r>
+              <a:rPr lang="en-US" dirty="0" err="1" smtClean="0"/>
+              <a:t>Jacildo</a:t>
+            </a:r>
+            <a:r>
+              <a:rPr lang="en-US" dirty="0" smtClean="0"/>
+              <a:t> (Bioinformatics)</a:t>
+            </a:r>
+          </a:p>
+          <a:p>
+            <a:r>
+              <a:rPr lang="en-US" dirty="0" smtClean="0"/>
+              <a:t>Finally, we acknowledge the valuable comments by the reviewers</a:t>
+            </a:r>
+            <a:endParaRPr lang="en-US" dirty="0" smtClean="0"/>
           </a:p>
         </p:txBody>
       </p:sp>
@@ -15301,7 +15321,7 @@
     <a:masterClrMapping/>
   </p:clrMapOvr>
   <mc:AlternateContent xmlns:mc="http://schemas.openxmlformats.org/markup-compatibility/2006">
-    <mc:Choice xmlns="" xmlns:p14="http://schemas.microsoft.com/office/powerpoint/2010/main" Requires="p14">
+    <mc:Choice xmlns:p14="http://schemas.microsoft.com/office/powerpoint/2010/main" xmlns="" Requires="p14">
       <p:transition spd="med" p14:dur="700">
         <p:fade/>
       </p:transition>
@@ -15312,6 +15332,13 @@
       </p:transition>
     </mc:Fallback>
   </mc:AlternateContent>
+  <p:timing>
+    <p:tnLst>
+      <p:par>
+        <p:cTn id="1" dur="indefinite" restart="never" nodeType="tmRoot"/>
+      </p:par>
+    </p:tnLst>
+  </p:timing>
 </p:sld>
 </file>
 
@@ -15348,8 +15375,12 @@
           <a:lstStyle/>
           <a:p>
             <a:r>
+              <a:rPr lang="en-US" dirty="0" err="1" smtClean="0"/>
+              <a:t>Github</a:t>
+            </a:r>
+            <a:r>
               <a:rPr lang="en-US" dirty="0" smtClean="0"/>
-              <a:t>Future Work</a:t>
+              <a:t> repository</a:t>
             </a:r>
             <a:endParaRPr lang="en-US" dirty="0"/>
           </a:p>
@@ -15372,42 +15403,13 @@
           <a:p>
             <a:r>
               <a:rPr lang="en-US" dirty="0" smtClean="0"/>
-              <a:t>Support for additional use cases of current tools</a:t>
-            </a:r>
-          </a:p>
-          <a:p>
-            <a:r>
-              <a:rPr lang="en-US" dirty="0" smtClean="0"/>
-              <a:t>Support for input file generation</a:t>
-            </a:r>
-          </a:p>
-          <a:p>
-            <a:r>
-              <a:rPr lang="en-US" dirty="0" smtClean="0"/>
-              <a:t>Improved parameter checking and error handling </a:t>
-            </a:r>
-          </a:p>
-          <a:p>
-            <a:r>
-              <a:rPr lang="en-US" dirty="0" smtClean="0"/>
-              <a:t>Support for custom workflow design</a:t>
-            </a:r>
-          </a:p>
-          <a:p>
-            <a:r>
-              <a:rPr lang="en-US" dirty="0" smtClean="0"/>
-              <a:t>Task scheduling and resource management algorithms</a:t>
+              <a:t>https://github.com/srg-ics-uplb/SkyLab</a:t>
             </a:r>
             <a:endParaRPr lang="en-US" dirty="0"/>
           </a:p>
         </p:txBody>
       </p:sp>
     </p:spTree>
-    <p:extLst>
-      <p:ext uri="{BB962C8B-B14F-4D97-AF65-F5344CB8AC3E}">
-        <p14:creationId xmlns:p14="http://schemas.microsoft.com/office/powerpoint/2010/main" xmlns="" val="1735722345"/>
-      </p:ext>
-    </p:extLst>
   </p:cSld>
   <p:clrMapOvr>
     <a:masterClrMapping/>
@@ -15424,13 +15426,6 @@
       </p:transition>
     </mc:Fallback>
   </mc:AlternateContent>
-  <p:timing>
-    <p:tnLst>
-      <p:par>
-        <p:cTn id="1" dur="indefinite" restart="never" nodeType="tmRoot"/>
-      </p:par>
-    </p:tnLst>
-  </p:timing>
 </p:sld>
 </file>
 
@@ -15468,7 +15463,7 @@
           <a:p>
             <a:r>
               <a:rPr lang="en-US" dirty="0" smtClean="0"/>
-              <a:t>References</a:t>
+              <a:t>Future Work</a:t>
             </a:r>
             <a:endParaRPr lang="en-US" dirty="0"/>
           </a:p>
@@ -15491,109 +15486,42 @@
           <a:p>
             <a:r>
               <a:rPr lang="en-US" dirty="0" smtClean="0"/>
-              <a:t>J</a:t>
-            </a:r>
+              <a:t>Support for additional use cases of current tools</a:t>
+            </a:r>
+          </a:p>
+          <a:p>
             <a:r>
               <a:rPr lang="en-US" dirty="0" smtClean="0"/>
-              <a:t>. </a:t>
-            </a:r>
+              <a:t>Support for input file generation</a:t>
+            </a:r>
+          </a:p>
+          <a:p>
             <a:r>
               <a:rPr lang="en-US" dirty="0" smtClean="0"/>
-              <a:t>A. C. </a:t>
-            </a:r>
-            <a:r>
-              <a:rPr lang="en-US" dirty="0" err="1" smtClean="0"/>
-              <a:t>Hermocilla</a:t>
-            </a:r>
+              <a:t>Improved parameter checking and error handling </a:t>
+            </a:r>
+          </a:p>
+          <a:p>
             <a:r>
               <a:rPr lang="en-US" dirty="0" smtClean="0"/>
-              <a:t>, “P2c: Towards scientific computing on private clouds,” in Proceedings of the National Conference on Information Technology Education (NCITE 2014), 2014, pp. </a:t>
-            </a:r>
+              <a:t>Support for custom workflow design</a:t>
+            </a:r>
+          </a:p>
+          <a:p>
             <a:r>
               <a:rPr lang="en-US" dirty="0" smtClean="0"/>
-              <a:t>162–167</a:t>
-            </a:r>
-            <a:r>
-              <a:rPr lang="en-US" dirty="0" smtClean="0"/>
-              <a:t>.</a:t>
-            </a:r>
-          </a:p>
-          <a:p>
-            <a:r>
-              <a:rPr lang="en-US" dirty="0" smtClean="0"/>
-              <a:t>R. M. Hanson, J. </a:t>
-            </a:r>
-            <a:r>
-              <a:rPr lang="en-US" dirty="0" err="1" smtClean="0"/>
-              <a:t>Prilusky</a:t>
-            </a:r>
-            <a:r>
-              <a:rPr lang="en-US" dirty="0" smtClean="0"/>
-              <a:t>, Z. </a:t>
-            </a:r>
-            <a:r>
-              <a:rPr lang="en-US" dirty="0" err="1" smtClean="0"/>
-              <a:t>Renjian</a:t>
-            </a:r>
-            <a:r>
-              <a:rPr lang="en-US" dirty="0" smtClean="0"/>
-              <a:t>, T. </a:t>
-            </a:r>
-            <a:r>
-              <a:rPr lang="en-US" dirty="0" err="1" smtClean="0"/>
-              <a:t>Nakane</a:t>
-            </a:r>
-            <a:r>
-              <a:rPr lang="en-US" dirty="0" smtClean="0"/>
-              <a:t>, and J. L. </a:t>
-            </a:r>
-            <a:r>
-              <a:rPr lang="en-US" dirty="0" err="1" smtClean="0"/>
-              <a:t>Sussman</a:t>
-            </a:r>
-            <a:r>
-              <a:rPr lang="en-US" dirty="0" smtClean="0"/>
-              <a:t>, “</a:t>
-            </a:r>
-            <a:r>
-              <a:rPr lang="en-US" dirty="0" err="1" smtClean="0"/>
-              <a:t>Jsmol</a:t>
-            </a:r>
-            <a:r>
-              <a:rPr lang="en-US" dirty="0" smtClean="0"/>
-              <a:t> and the next-generation web-based representation of 3d molecular </a:t>
-            </a:r>
-            <a:r>
-              <a:rPr lang="en-US" dirty="0" err="1" smtClean="0"/>
-              <a:t>tructure</a:t>
-            </a:r>
-            <a:r>
-              <a:rPr lang="en-US" dirty="0" smtClean="0"/>
-              <a:t> as applied to </a:t>
-            </a:r>
-            <a:r>
-              <a:rPr lang="en-US" dirty="0" err="1" smtClean="0"/>
-              <a:t>proteopedia</a:t>
-            </a:r>
-            <a:r>
-              <a:rPr lang="en-US" dirty="0" smtClean="0"/>
-              <a:t>,” Israel Journal of Chemistry, vol. 53, no. 3-4, pp. 207–216, 2013. [Online]. Available: http://.</a:t>
-            </a:r>
-            <a:r>
-              <a:rPr lang="en-US" dirty="0" err="1" smtClean="0"/>
-              <a:t>doi.org</a:t>
-            </a:r>
-            <a:r>
-              <a:rPr lang="en-US" dirty="0" smtClean="0"/>
-              <a:t>/10.1002/ijch.201300024</a:t>
-            </a:r>
-          </a:p>
-          <a:p>
+              <a:t>Task scheduling and resource management algorithms</a:t>
+            </a:r>
             <a:endParaRPr lang="en-US" dirty="0"/>
           </a:p>
         </p:txBody>
       </p:sp>
     </p:spTree>
+    <p:extLst>
+      <p:ext uri="{BB962C8B-B14F-4D97-AF65-F5344CB8AC3E}">
+        <p14:creationId xmlns="" xmlns:p14="http://schemas.microsoft.com/office/powerpoint/2010/main" val="1735722345"/>
+      </p:ext>
+    </p:extLst>
   </p:cSld>
   <p:clrMapOvr>
     <a:masterClrMapping/>
@@ -15637,13 +15565,183 @@
           <a:chExt cx="0" cy="0"/>
         </a:xfrm>
       </p:grpSpPr>
+      <p:sp>
+        <p:nvSpPr>
+          <p:cNvPr id="2" name="Title 1"/>
+          <p:cNvSpPr>
+            <a:spLocks noGrp="1"/>
+          </p:cNvSpPr>
+          <p:nvPr>
+            <p:ph type="title"/>
+          </p:nvPr>
+        </p:nvSpPr>
+        <p:spPr/>
+        <p:txBody>
+          <a:bodyPr/>
+          <a:lstStyle/>
+          <a:p>
+            <a:r>
+              <a:rPr lang="en-US" dirty="0" smtClean="0"/>
+              <a:t>References</a:t>
+            </a:r>
+            <a:endParaRPr lang="en-US" dirty="0"/>
+          </a:p>
+        </p:txBody>
+      </p:sp>
+      <p:sp>
+        <p:nvSpPr>
+          <p:cNvPr id="3" name="Content Placeholder 2"/>
+          <p:cNvSpPr>
+            <a:spLocks noGrp="1"/>
+          </p:cNvSpPr>
+          <p:nvPr>
+            <p:ph idx="1"/>
+          </p:nvPr>
+        </p:nvSpPr>
+        <p:spPr/>
+        <p:txBody>
+          <a:bodyPr/>
+          <a:lstStyle/>
+          <a:p>
+            <a:r>
+              <a:rPr lang="en-US" dirty="0" smtClean="0"/>
+              <a:t>J. A. C. </a:t>
+            </a:r>
+            <a:r>
+              <a:rPr lang="en-US" dirty="0" err="1" smtClean="0"/>
+              <a:t>Hermocilla</a:t>
+            </a:r>
+            <a:r>
+              <a:rPr lang="en-US" dirty="0" smtClean="0"/>
+              <a:t>, “P2c: Towards scientific computing on private clouds,” in Proceedings of the National Conference on Information Technology Education (NCITE 2014), 2014, pp. 162–167.</a:t>
+            </a:r>
+          </a:p>
+          <a:p>
+            <a:r>
+              <a:rPr lang="en-US" dirty="0" smtClean="0"/>
+              <a:t>R. M. Hanson, J. </a:t>
+            </a:r>
+            <a:r>
+              <a:rPr lang="en-US" dirty="0" err="1" smtClean="0"/>
+              <a:t>Prilusky</a:t>
+            </a:r>
+            <a:r>
+              <a:rPr lang="en-US" dirty="0" smtClean="0"/>
+              <a:t>, Z. </a:t>
+            </a:r>
+            <a:r>
+              <a:rPr lang="en-US" dirty="0" err="1" smtClean="0"/>
+              <a:t>Renjian</a:t>
+            </a:r>
+            <a:r>
+              <a:rPr lang="en-US" dirty="0" smtClean="0"/>
+              <a:t>, T. </a:t>
+            </a:r>
+            <a:r>
+              <a:rPr lang="en-US" dirty="0" err="1" smtClean="0"/>
+              <a:t>Nakane</a:t>
+            </a:r>
+            <a:r>
+              <a:rPr lang="en-US" dirty="0" smtClean="0"/>
+              <a:t>, and J. L. </a:t>
+            </a:r>
+            <a:r>
+              <a:rPr lang="en-US" dirty="0" err="1" smtClean="0"/>
+              <a:t>Sussman</a:t>
+            </a:r>
+            <a:r>
+              <a:rPr lang="en-US" dirty="0" smtClean="0"/>
+              <a:t>, “</a:t>
+            </a:r>
+            <a:r>
+              <a:rPr lang="en-US" dirty="0" err="1" smtClean="0"/>
+              <a:t>Jsmol</a:t>
+            </a:r>
+            <a:r>
+              <a:rPr lang="en-US" dirty="0" smtClean="0"/>
+              <a:t> and the next-generation web-based representation of 3d molecular </a:t>
+            </a:r>
+            <a:r>
+              <a:rPr lang="en-US" dirty="0" err="1" smtClean="0"/>
+              <a:t>tructure</a:t>
+            </a:r>
+            <a:r>
+              <a:rPr lang="en-US" dirty="0" smtClean="0"/>
+              <a:t> as applied to </a:t>
+            </a:r>
+            <a:r>
+              <a:rPr lang="en-US" dirty="0" err="1" smtClean="0"/>
+              <a:t>proteopedia</a:t>
+            </a:r>
+            <a:r>
+              <a:rPr lang="en-US" dirty="0" smtClean="0"/>
+              <a:t>,” Israel Journal of Chemistry, vol. 53, no. 3-4, pp. 207–216, 2013. [Online]. Available: http://.</a:t>
+            </a:r>
+            <a:r>
+              <a:rPr lang="en-US" dirty="0" err="1" smtClean="0"/>
+              <a:t>doi.org</a:t>
+            </a:r>
+            <a:r>
+              <a:rPr lang="en-US" dirty="0" smtClean="0"/>
+              <a:t>/10.1002/ijch.201300024</a:t>
+            </a:r>
+          </a:p>
+          <a:p>
+            <a:endParaRPr lang="en-US" dirty="0"/>
+          </a:p>
+        </p:txBody>
+      </p:sp>
     </p:spTree>
   </p:cSld>
   <p:clrMapOvr>
     <a:masterClrMapping/>
   </p:clrMapOvr>
   <mc:AlternateContent xmlns:mc="http://schemas.openxmlformats.org/markup-compatibility/2006">
-    <mc:Choice xmlns="" xmlns:p14="http://schemas.microsoft.com/office/powerpoint/2010/main" Requires="p14">
+    <mc:Choice xmlns:p14="http://schemas.microsoft.com/office/powerpoint/2010/main" xmlns="" Requires="p14">
+      <p:transition spd="med" p14:dur="700">
+        <p:fade/>
+      </p:transition>
+    </mc:Choice>
+    <mc:Fallback>
+      <p:transition spd="med">
+        <p:fade/>
+      </p:transition>
+    </mc:Fallback>
+  </mc:AlternateContent>
+  <p:timing>
+    <p:tnLst>
+      <p:par>
+        <p:cTn id="1" dur="indefinite" restart="never" nodeType="tmRoot"/>
+      </p:par>
+    </p:tnLst>
+  </p:timing>
+</p:sld>
+</file>
+
+<file path=ppt/slides/slide24.xml><?xml version="1.0" encoding="utf-8"?>
+<p:sld xmlns:a="http://schemas.openxmlformats.org/drawingml/2006/main" xmlns:r="http://schemas.openxmlformats.org/officeDocument/2006/relationships" xmlns:p="http://schemas.openxmlformats.org/presentationml/2006/main">
+  <p:cSld>
+    <p:spTree>
+      <p:nvGrpSpPr>
+        <p:cNvPr id="1" name=""/>
+        <p:cNvGrpSpPr/>
+        <p:nvPr/>
+      </p:nvGrpSpPr>
+      <p:grpSpPr>
+        <a:xfrm>
+          <a:off x="0" y="0"/>
+          <a:ext cx="0" cy="0"/>
+          <a:chOff x="0" y="0"/>
+          <a:chExt cx="0" cy="0"/>
+        </a:xfrm>
+      </p:grpSpPr>
+    </p:spTree>
+  </p:cSld>
+  <p:clrMapOvr>
+    <a:masterClrMapping/>
+  </p:clrMapOvr>
+  <mc:AlternateContent xmlns:mc="http://schemas.openxmlformats.org/markup-compatibility/2006">
+    <mc:Choice xmlns:p14="http://schemas.microsoft.com/office/powerpoint/2010/main" xmlns="" Requires="p14">
       <p:transition spd="med" p14:dur="700">
         <p:fade/>
       </p:transition>
@@ -15741,7 +15839,6 @@
               <a:rPr lang="en-US" dirty="0" smtClean="0"/>
               <a:t>System Architecture</a:t>
             </a:r>
-            <a:endParaRPr lang="en-US" dirty="0" smtClean="0"/>
           </a:p>
           <a:p>
             <a:r>
@@ -15763,7 +15860,7 @@
     <a:masterClrMapping/>
   </p:clrMapOvr>
   <mc:AlternateContent xmlns:mc="http://schemas.openxmlformats.org/markup-compatibility/2006">
-    <mc:Choice xmlns="" xmlns:p14="http://schemas.microsoft.com/office/powerpoint/2010/main" Requires="p14">
+    <mc:Choice xmlns:p14="http://schemas.microsoft.com/office/powerpoint/2010/main" xmlns="" Requires="p14">
       <p:transition spd="med" p14:dur="700">
         <p:fade/>
       </p:transition>
@@ -15896,7 +15993,7 @@
     <a:masterClrMapping/>
   </p:clrMapOvr>
   <mc:AlternateContent xmlns:mc="http://schemas.openxmlformats.org/markup-compatibility/2006">
-    <mc:Choice xmlns="" xmlns:p14="http://schemas.microsoft.com/office/powerpoint/2010/main" Requires="p14">
+    <mc:Choice xmlns:p14="http://schemas.microsoft.com/office/powerpoint/2010/main" xmlns="" Requires="p14">
       <p:transition spd="med" p14:dur="700">
         <p:fade/>
       </p:transition>
@@ -15974,24 +16071,14 @@
           <a:p>
             <a:r>
               <a:rPr lang="en-US" dirty="0" smtClean="0"/>
-              <a:t>Using HPC </a:t>
-            </a:r>
-            <a:r>
-              <a:rPr lang="en-US" dirty="0" smtClean="0"/>
-              <a:t>applications </a:t>
-            </a:r>
-            <a:r>
-              <a:rPr lang="en-US" dirty="0" smtClean="0"/>
-              <a:t>require knowledge in terminal usage and scripting</a:t>
-            </a:r>
-            <a:endParaRPr lang="en-US" dirty="0" smtClean="0"/>
+              <a:t>Using HPC applications require knowledge in terminal usage and scripting</a:t>
+            </a:r>
           </a:p>
           <a:p>
             <a:r>
               <a:rPr lang="en-US" dirty="0" smtClean="0"/>
               <a:t>This makes it difficult for non-technical users (physicists, chemists, biologists) to use </a:t>
             </a:r>
-            <a:endParaRPr lang="en-US" dirty="0" smtClean="0"/>
           </a:p>
           <a:p>
             <a:pPr>
@@ -16007,7 +16094,7 @@
     <a:masterClrMapping/>
   </p:clrMapOvr>
   <mc:AlternateContent xmlns:mc="http://schemas.openxmlformats.org/markup-compatibility/2006">
-    <mc:Choice xmlns="" xmlns:p14="http://schemas.microsoft.com/office/powerpoint/2010/main" Requires="p14">
+    <mc:Choice xmlns:p14="http://schemas.microsoft.com/office/powerpoint/2010/main" xmlns="" Requires="p14">
       <p:transition spd="med" p14:dur="700">
         <p:fade/>
       </p:transition>
@@ -16130,7 +16217,7 @@
     <a:masterClrMapping/>
   </p:clrMapOvr>
   <mc:AlternateContent xmlns:mc="http://schemas.openxmlformats.org/markup-compatibility/2006">
-    <mc:Choice xmlns="" xmlns:p14="http://schemas.microsoft.com/office/powerpoint/2010/main" Requires="p14">
+    <mc:Choice xmlns:p14="http://schemas.microsoft.com/office/powerpoint/2010/main" xmlns="" Requires="p14">
       <p:transition spd="med" p14:dur="700">
         <p:fade/>
       </p:transition>
@@ -16216,7 +16303,7 @@
     <a:masterClrMapping/>
   </p:clrMapOvr>
   <mc:AlternateContent xmlns:mc="http://schemas.openxmlformats.org/markup-compatibility/2006">
-    <mc:Choice xmlns="" xmlns:p14="http://schemas.microsoft.com/office/powerpoint/2010/main" Requires="p14">
+    <mc:Choice xmlns:p14="http://schemas.microsoft.com/office/powerpoint/2010/main" xmlns="" Requires="p14">
       <p:transition spd="med" p14:dur="700">
         <p:fade/>
       </p:transition>
@@ -16287,7 +16374,7 @@
             <p:ph idx="1"/>
             <p:extLst>
               <p:ext uri="{D42A27DB-BD31-4B8C-83A1-F6EECF244321}">
-                <p14:modId xmlns:p14="http://schemas.microsoft.com/office/powerpoint/2010/main" xmlns="" val="2718408119"/>
+                <p14:modId xmlns="" xmlns:p14="http://schemas.microsoft.com/office/powerpoint/2010/main" val="2718408119"/>
               </p:ext>
             </p:extLst>
           </p:nvPr>
@@ -16305,7 +16392,7 @@
     </p:spTree>
     <p:extLst>
       <p:ext uri="{BB962C8B-B14F-4D97-AF65-F5344CB8AC3E}">
-        <p14:creationId xmlns:p14="http://schemas.microsoft.com/office/powerpoint/2010/main" xmlns="" val="462238070"/>
+        <p14:creationId xmlns="" xmlns:p14="http://schemas.microsoft.com/office/powerpoint/2010/main" val="462238070"/>
       </p:ext>
     </p:extLst>
   </p:cSld>
@@ -16313,7 +16400,7 @@
     <a:masterClrMapping/>
   </p:clrMapOvr>
   <mc:AlternateContent xmlns:mc="http://schemas.openxmlformats.org/markup-compatibility/2006">
-    <mc:Choice xmlns:p14="http://schemas.microsoft.com/office/powerpoint/2010/main" xmlns="" Requires="p14">
+    <mc:Choice xmlns="" xmlns:p14="http://schemas.microsoft.com/office/powerpoint/2010/main" Requires="p14">
       <p:transition spd="med" p14:dur="700">
         <p:fade/>
       </p:transition>
@@ -16542,7 +16629,7 @@
     </p:spTree>
     <p:extLst>
       <p:ext uri="{BB962C8B-B14F-4D97-AF65-F5344CB8AC3E}">
-        <p14:creationId xmlns:p14="http://schemas.microsoft.com/office/powerpoint/2010/main" xmlns="" val="2139132589"/>
+        <p14:creationId xmlns="" xmlns:p14="http://schemas.microsoft.com/office/powerpoint/2010/main" val="2139132589"/>
       </p:ext>
     </p:extLst>
   </p:cSld>
@@ -16550,7 +16637,7 @@
     <a:masterClrMapping/>
   </p:clrMapOvr>
   <mc:AlternateContent xmlns:mc="http://schemas.openxmlformats.org/markup-compatibility/2006">
-    <mc:Choice xmlns:p14="http://schemas.microsoft.com/office/powerpoint/2010/main" xmlns="" Requires="p14">
+    <mc:Choice xmlns="" xmlns:p14="http://schemas.microsoft.com/office/powerpoint/2010/main" Requires="p14">
       <p:transition spd="med" p14:dur="700">
         <p:fade/>
       </p:transition>
@@ -16832,7 +16919,7 @@
   <a:extraClrSchemeLst/>
   <a:extLst>
     <a:ext uri="{05A4C25C-085E-4340-85A3-A5531E510DB2}">
-      <thm15:themeFamily xmlns="" xmlns:thm15="http://schemas.microsoft.com/office/thememl/2012/main" name="TF02895261.potx" id="{03C5CF44-0C62-41B4-B3EA-416B4807878A}" vid="{EC3ACB92-700E-4167-B3A6-412DE40A64C2}"/>
+      <thm15:themeFamily xmlns:thm15="http://schemas.microsoft.com/office/thememl/2012/main" xmlns="" name="TF02895261.potx" id="{03C5CF44-0C62-41B4-B3EA-416B4807878A}" vid="{EC3ACB92-700E-4167-B3A6-412DE40A64C2}"/>
     </a:ext>
   </a:extLst>
 </a:theme>
@@ -17351,142 +17438,6 @@
 </file>
 
 <file path=customXml/item1.xml><?xml version="1.0" encoding="utf-8"?>
-<?mso-contentType ?>
-<FormTemplates xmlns="http://schemas.microsoft.com/sharepoint/v3/contenttype/forms">
-  <Display>DocumentLibraryForm</Display>
-  <Edit>AssetEditForm</Edit>
-  <New>DocumentLibraryForm</New>
-</FormTemplates>
-</file>
-
-<file path=customXml/item2.xml><?xml version="1.0" encoding="utf-8"?>
-<p:properties xmlns:p="http://schemas.microsoft.com/office/2006/metadata/properties" xmlns:xsi="http://www.w3.org/2001/XMLSchema-instance" xmlns:pc="http://schemas.microsoft.com/office/infopath/2007/PartnerControls">
-  <documentManagement>
-    <DirectSourceMarket xmlns="4873beb7-5857-4685-be1f-d57550cc96cc" xsi:nil="true"/>
-    <ApprovalStatus xmlns="4873beb7-5857-4685-be1f-d57550cc96cc">InProgress</ApprovalStatus>
-    <MarketSpecific xmlns="4873beb7-5857-4685-be1f-d57550cc96cc">false</MarketSpecific>
-    <LocComments xmlns="4873beb7-5857-4685-be1f-d57550cc96cc" xsi:nil="true"/>
-    <ThumbnailAssetId xmlns="4873beb7-5857-4685-be1f-d57550cc96cc" xsi:nil="true"/>
-    <PrimaryImageGen xmlns="4873beb7-5857-4685-be1f-d57550cc96cc">true</PrimaryImageGen>
-    <LegacyData xmlns="4873beb7-5857-4685-be1f-d57550cc96cc" xsi:nil="true"/>
-    <LocRecommendedHandoff xmlns="4873beb7-5857-4685-be1f-d57550cc96cc" xsi:nil="true"/>
-    <BusinessGroup xmlns="4873beb7-5857-4685-be1f-d57550cc96cc" xsi:nil="true"/>
-    <BlockPublish xmlns="4873beb7-5857-4685-be1f-d57550cc96cc">false</BlockPublish>
-    <TPFriendlyName xmlns="4873beb7-5857-4685-be1f-d57550cc96cc" xsi:nil="true"/>
-    <NumericId xmlns="4873beb7-5857-4685-be1f-d57550cc96cc" xsi:nil="true"/>
-    <APEditor xmlns="4873beb7-5857-4685-be1f-d57550cc96cc">
-      <UserInfo>
-        <DisplayName/>
-        <AccountId xsi:nil="true"/>
-        <AccountType/>
-      </UserInfo>
-    </APEditor>
-    <SourceTitle xmlns="4873beb7-5857-4685-be1f-d57550cc96cc" xsi:nil="true"/>
-    <OpenTemplate xmlns="4873beb7-5857-4685-be1f-d57550cc96cc">true</OpenTemplate>
-    <UALocComments xmlns="4873beb7-5857-4685-be1f-d57550cc96cc" xsi:nil="true"/>
-    <ParentAssetId xmlns="4873beb7-5857-4685-be1f-d57550cc96cc" xsi:nil="true"/>
-    <IntlLangReviewDate xmlns="4873beb7-5857-4685-be1f-d57550cc96cc" xsi:nil="true"/>
-    <FeatureTagsTaxHTField0 xmlns="4873beb7-5857-4685-be1f-d57550cc96cc">
-      <Terms xmlns="http://schemas.microsoft.com/office/infopath/2007/PartnerControls"/>
-    </FeatureTagsTaxHTField0>
-    <PublishStatusLookup xmlns="4873beb7-5857-4685-be1f-d57550cc96cc">
-      <Value>1564227</Value>
-    </PublishStatusLookup>
-    <Providers xmlns="4873beb7-5857-4685-be1f-d57550cc96cc" xsi:nil="true"/>
-    <MachineTranslated xmlns="4873beb7-5857-4685-be1f-d57550cc96cc">false</MachineTranslated>
-    <OriginalSourceMarket xmlns="4873beb7-5857-4685-be1f-d57550cc96cc" xsi:nil="true"/>
-    <APDescription xmlns="4873beb7-5857-4685-be1f-d57550cc96cc">Take your audience through a digital tunnel where they'll  burst through to the other side and see the information you want to present. Show them lists, charts, tables, SmartArt,  and pictures using a variety of layouts in widescreen (16X9) format. This design works well for subjects on science and technology, computers, communication, and more.   
-</APDescription>
-    <ClipArtFilename xmlns="4873beb7-5857-4685-be1f-d57550cc96cc" xsi:nil="true"/>
-    <ContentItem xmlns="4873beb7-5857-4685-be1f-d57550cc96cc" xsi:nil="true"/>
-    <TPInstallLocation xmlns="4873beb7-5857-4685-be1f-d57550cc96cc" xsi:nil="true"/>
-    <PublishTargets xmlns="4873beb7-5857-4685-be1f-d57550cc96cc">OfficeOnlineVNext</PublishTargets>
-    <TimesCloned xmlns="4873beb7-5857-4685-be1f-d57550cc96cc" xsi:nil="true"/>
-    <AssetStart xmlns="4873beb7-5857-4685-be1f-d57550cc96cc">2012-05-11T02:04:00+00:00</AssetStart>
-    <Provider xmlns="4873beb7-5857-4685-be1f-d57550cc96cc" xsi:nil="true"/>
-    <AcquiredFrom xmlns="4873beb7-5857-4685-be1f-d57550cc96cc">Internal MS</AcquiredFrom>
-    <FriendlyTitle xmlns="4873beb7-5857-4685-be1f-d57550cc96cc" xsi:nil="true"/>
-    <LastHandOff xmlns="4873beb7-5857-4685-be1f-d57550cc96cc" xsi:nil="true"/>
-    <TPClientViewer xmlns="4873beb7-5857-4685-be1f-d57550cc96cc" xsi:nil="true"/>
-    <UACurrentWords xmlns="4873beb7-5857-4685-be1f-d57550cc96cc" xsi:nil="true"/>
-    <ArtSampleDocs xmlns="4873beb7-5857-4685-be1f-d57550cc96cc" xsi:nil="true"/>
-    <UALocRecommendation xmlns="4873beb7-5857-4685-be1f-d57550cc96cc">Localize</UALocRecommendation>
-    <Manager xmlns="4873beb7-5857-4685-be1f-d57550cc96cc" xsi:nil="true"/>
-    <ShowIn xmlns="4873beb7-5857-4685-be1f-d57550cc96cc">Show everywhere</ShowIn>
-    <UANotes xmlns="4873beb7-5857-4685-be1f-d57550cc96cc" xsi:nil="true"/>
-    <TemplateStatus xmlns="4873beb7-5857-4685-be1f-d57550cc96cc">Complete</TemplateStatus>
-    <InternalTagsTaxHTField0 xmlns="4873beb7-5857-4685-be1f-d57550cc96cc">
-      <Terms xmlns="http://schemas.microsoft.com/office/infopath/2007/PartnerControls"/>
-    </InternalTagsTaxHTField0>
-    <CSXHash xmlns="4873beb7-5857-4685-be1f-d57550cc96cc" xsi:nil="true"/>
-    <Downloads xmlns="4873beb7-5857-4685-be1f-d57550cc96cc">0</Downloads>
-    <VoteCount xmlns="4873beb7-5857-4685-be1f-d57550cc96cc" xsi:nil="true"/>
-    <OOCacheId xmlns="4873beb7-5857-4685-be1f-d57550cc96cc" xsi:nil="true"/>
-    <IsDeleted xmlns="4873beb7-5857-4685-be1f-d57550cc96cc">false</IsDeleted>
-    <AssetExpire xmlns="4873beb7-5857-4685-be1f-d57550cc96cc">2029-01-01T08:00:00+00:00</AssetExpire>
-    <DSATActionTaken xmlns="4873beb7-5857-4685-be1f-d57550cc96cc" xsi:nil="true"/>
-    <CSXSubmissionMarket xmlns="4873beb7-5857-4685-be1f-d57550cc96cc" xsi:nil="true"/>
-    <TPExecutable xmlns="4873beb7-5857-4685-be1f-d57550cc96cc" xsi:nil="true"/>
-    <SubmitterId xmlns="4873beb7-5857-4685-be1f-d57550cc96cc" xsi:nil="true"/>
-    <EditorialTags xmlns="4873beb7-5857-4685-be1f-d57550cc96cc" xsi:nil="true"/>
-    <ApprovalLog xmlns="4873beb7-5857-4685-be1f-d57550cc96cc" xsi:nil="true"/>
-    <AssetType xmlns="4873beb7-5857-4685-be1f-d57550cc96cc">TP</AssetType>
-    <BugNumber xmlns="4873beb7-5857-4685-be1f-d57550cc96cc" xsi:nil="true"/>
-    <CSXSubmissionDate xmlns="4873beb7-5857-4685-be1f-d57550cc96cc" xsi:nil="true"/>
-    <CSXUpdate xmlns="4873beb7-5857-4685-be1f-d57550cc96cc">false</CSXUpdate>
-    <Milestone xmlns="4873beb7-5857-4685-be1f-d57550cc96cc" xsi:nil="true"/>
-    <RecommendationsModifier xmlns="4873beb7-5857-4685-be1f-d57550cc96cc" xsi:nil="true"/>
-    <OriginAsset xmlns="4873beb7-5857-4685-be1f-d57550cc96cc" xsi:nil="true"/>
-    <TPComponent xmlns="4873beb7-5857-4685-be1f-d57550cc96cc" xsi:nil="true"/>
-    <AssetId xmlns="4873beb7-5857-4685-be1f-d57550cc96cc">TP102895246</AssetId>
-    <IntlLocPriority xmlns="4873beb7-5857-4685-be1f-d57550cc96cc" xsi:nil="true"/>
-    <PolicheckWords xmlns="4873beb7-5857-4685-be1f-d57550cc96cc" xsi:nil="true"/>
-    <TPLaunchHelpLink xmlns="4873beb7-5857-4685-be1f-d57550cc96cc" xsi:nil="true"/>
-    <TPApplication xmlns="4873beb7-5857-4685-be1f-d57550cc96cc" xsi:nil="true"/>
-    <CrawlForDependencies xmlns="4873beb7-5857-4685-be1f-d57550cc96cc">false</CrawlForDependencies>
-    <HandoffToMSDN xmlns="4873beb7-5857-4685-be1f-d57550cc96cc" xsi:nil="true"/>
-    <PlannedPubDate xmlns="4873beb7-5857-4685-be1f-d57550cc96cc" xsi:nil="true"/>
-    <IntlLangReviewer xmlns="4873beb7-5857-4685-be1f-d57550cc96cc" xsi:nil="true"/>
-    <TrustLevel xmlns="4873beb7-5857-4685-be1f-d57550cc96cc">1 Microsoft Managed Content</TrustLevel>
-    <LocLastLocAttemptVersionLookup xmlns="4873beb7-5857-4685-be1f-d57550cc96cc">835483</LocLastLocAttemptVersionLookup>
-    <IsSearchable xmlns="4873beb7-5857-4685-be1f-d57550cc96cc">true</IsSearchable>
-    <TemplateTemplateType xmlns="4873beb7-5857-4685-be1f-d57550cc96cc">PowerPoint Presentation Template</TemplateTemplateType>
-    <CampaignTagsTaxHTField0 xmlns="4873beb7-5857-4685-be1f-d57550cc96cc">
-      <Terms xmlns="http://schemas.microsoft.com/office/infopath/2007/PartnerControls"/>
-    </CampaignTagsTaxHTField0>
-    <TPNamespace xmlns="4873beb7-5857-4685-be1f-d57550cc96cc" xsi:nil="true"/>
-    <TaxCatchAll xmlns="4873beb7-5857-4685-be1f-d57550cc96cc"/>
-    <Markets xmlns="4873beb7-5857-4685-be1f-d57550cc96cc"/>
-    <UAProjectedTotalWords xmlns="4873beb7-5857-4685-be1f-d57550cc96cc" xsi:nil="true"/>
-    <IntlLangReview xmlns="4873beb7-5857-4685-be1f-d57550cc96cc">false</IntlLangReview>
-    <OutputCachingOn xmlns="4873beb7-5857-4685-be1f-d57550cc96cc">false</OutputCachingOn>
-    <AverageRating xmlns="4873beb7-5857-4685-be1f-d57550cc96cc" xsi:nil="true"/>
-    <APAuthor xmlns="4873beb7-5857-4685-be1f-d57550cc96cc">
-      <UserInfo>
-        <DisplayName>REDMOND\v-vaddu</DisplayName>
-        <AccountId>2567</AccountId>
-        <AccountType/>
-      </UserInfo>
-    </APAuthor>
-    <LocManualTestRequired xmlns="4873beb7-5857-4685-be1f-d57550cc96cc">false</LocManualTestRequired>
-    <TPCommandLine xmlns="4873beb7-5857-4685-be1f-d57550cc96cc" xsi:nil="true"/>
-    <TPAppVersion xmlns="4873beb7-5857-4685-be1f-d57550cc96cc" xsi:nil="true"/>
-    <EditorialStatus xmlns="4873beb7-5857-4685-be1f-d57550cc96cc">Complete</EditorialStatus>
-    <LastModifiedDateTime xmlns="4873beb7-5857-4685-be1f-d57550cc96cc" xsi:nil="true"/>
-    <ScenarioTagsTaxHTField0 xmlns="4873beb7-5857-4685-be1f-d57550cc96cc">
-      <Terms xmlns="http://schemas.microsoft.com/office/infopath/2007/PartnerControls"/>
-    </ScenarioTagsTaxHTField0>
-    <OriginalRelease xmlns="4873beb7-5857-4685-be1f-d57550cc96cc">15</OriginalRelease>
-    <TPLaunchHelpLinkType xmlns="4873beb7-5857-4685-be1f-d57550cc96cc">Template</TPLaunchHelpLinkType>
-    <LocalizationTagsTaxHTField0 xmlns="4873beb7-5857-4685-be1f-d57550cc96cc">
-      <Terms xmlns="http://schemas.microsoft.com/office/infopath/2007/PartnerControls"/>
-    </LocalizationTagsTaxHTField0>
-    <LocMarketGroupTiers2 xmlns="4873beb7-5857-4685-be1f-d57550cc96cc" xsi:nil="true"/>
-  </documentManagement>
-</p:properties>
-</file>
-
-<file path=customXml/item3.xml><?xml version="1.0" encoding="utf-8"?>
 <ct:contentTypeSchema xmlns:ct="http://schemas.microsoft.com/office/2006/metadata/contentType" xmlns:ma="http://schemas.microsoft.com/office/2006/metadata/properties/metaAttributes" ct:_="" ma:_="" ma:contentTypeName="TemplateFile" ma:contentTypeID="0x0101006EDDDB5EE6D98C44930B742096920B300400F5B6D36B3EF94B4E9A635CDF2A18F5B8" ma:contentTypeVersion="72" ma:contentTypeDescription="Create a new document." ma:contentTypeScope="" ma:versionID="a23e56308344d904b51738559c3d67c9">
   <xsd:schema xmlns:xsd="http://www.w3.org/2001/XMLSchema" xmlns:xs="http://www.w3.org/2001/XMLSchema" xmlns:p="http://schemas.microsoft.com/office/2006/metadata/properties" xmlns:ns2="4873beb7-5857-4685-be1f-d57550cc96cc" targetNamespace="http://schemas.microsoft.com/office/2006/metadata/properties" ma:root="true" ma:fieldsID="cd0908cc4600e77bf5da051303e00c8d" ns2:_="">
     <xsd:import namespace="4873beb7-5857-4685-be1f-d57550cc96cc"/>
@@ -18526,10 +18477,156 @@
 </ct:contentTypeSchema>
 </file>
 
+<file path=customXml/item2.xml><?xml version="1.0" encoding="utf-8"?>
+<p:properties xmlns:p="http://schemas.microsoft.com/office/2006/metadata/properties" xmlns:xsi="http://www.w3.org/2001/XMLSchema-instance" xmlns:pc="http://schemas.microsoft.com/office/infopath/2007/PartnerControls">
+  <documentManagement>
+    <DirectSourceMarket xmlns="4873beb7-5857-4685-be1f-d57550cc96cc" xsi:nil="true"/>
+    <ApprovalStatus xmlns="4873beb7-5857-4685-be1f-d57550cc96cc">InProgress</ApprovalStatus>
+    <MarketSpecific xmlns="4873beb7-5857-4685-be1f-d57550cc96cc">false</MarketSpecific>
+    <LocComments xmlns="4873beb7-5857-4685-be1f-d57550cc96cc" xsi:nil="true"/>
+    <ThumbnailAssetId xmlns="4873beb7-5857-4685-be1f-d57550cc96cc" xsi:nil="true"/>
+    <PrimaryImageGen xmlns="4873beb7-5857-4685-be1f-d57550cc96cc">true</PrimaryImageGen>
+    <LegacyData xmlns="4873beb7-5857-4685-be1f-d57550cc96cc" xsi:nil="true"/>
+    <LocRecommendedHandoff xmlns="4873beb7-5857-4685-be1f-d57550cc96cc" xsi:nil="true"/>
+    <BusinessGroup xmlns="4873beb7-5857-4685-be1f-d57550cc96cc" xsi:nil="true"/>
+    <BlockPublish xmlns="4873beb7-5857-4685-be1f-d57550cc96cc">false</BlockPublish>
+    <TPFriendlyName xmlns="4873beb7-5857-4685-be1f-d57550cc96cc" xsi:nil="true"/>
+    <NumericId xmlns="4873beb7-5857-4685-be1f-d57550cc96cc" xsi:nil="true"/>
+    <APEditor xmlns="4873beb7-5857-4685-be1f-d57550cc96cc">
+      <UserInfo>
+        <DisplayName/>
+        <AccountId xsi:nil="true"/>
+        <AccountType/>
+      </UserInfo>
+    </APEditor>
+    <SourceTitle xmlns="4873beb7-5857-4685-be1f-d57550cc96cc" xsi:nil="true"/>
+    <OpenTemplate xmlns="4873beb7-5857-4685-be1f-d57550cc96cc">true</OpenTemplate>
+    <UALocComments xmlns="4873beb7-5857-4685-be1f-d57550cc96cc" xsi:nil="true"/>
+    <ParentAssetId xmlns="4873beb7-5857-4685-be1f-d57550cc96cc" xsi:nil="true"/>
+    <IntlLangReviewDate xmlns="4873beb7-5857-4685-be1f-d57550cc96cc" xsi:nil="true"/>
+    <FeatureTagsTaxHTField0 xmlns="4873beb7-5857-4685-be1f-d57550cc96cc">
+      <Terms xmlns="http://schemas.microsoft.com/office/infopath/2007/PartnerControls"/>
+    </FeatureTagsTaxHTField0>
+    <PublishStatusLookup xmlns="4873beb7-5857-4685-be1f-d57550cc96cc">
+      <Value>1564227</Value>
+    </PublishStatusLookup>
+    <Providers xmlns="4873beb7-5857-4685-be1f-d57550cc96cc" xsi:nil="true"/>
+    <MachineTranslated xmlns="4873beb7-5857-4685-be1f-d57550cc96cc">false</MachineTranslated>
+    <OriginalSourceMarket xmlns="4873beb7-5857-4685-be1f-d57550cc96cc" xsi:nil="true"/>
+    <APDescription xmlns="4873beb7-5857-4685-be1f-d57550cc96cc">Take your audience through a digital tunnel where they'll  burst through to the other side and see the information you want to present. Show them lists, charts, tables, SmartArt,  and pictures using a variety of layouts in widescreen (16X9) format. This design works well for subjects on science and technology, computers, communication, and more.   
+</APDescription>
+    <ClipArtFilename xmlns="4873beb7-5857-4685-be1f-d57550cc96cc" xsi:nil="true"/>
+    <ContentItem xmlns="4873beb7-5857-4685-be1f-d57550cc96cc" xsi:nil="true"/>
+    <TPInstallLocation xmlns="4873beb7-5857-4685-be1f-d57550cc96cc" xsi:nil="true"/>
+    <PublishTargets xmlns="4873beb7-5857-4685-be1f-d57550cc96cc">OfficeOnlineVNext</PublishTargets>
+    <TimesCloned xmlns="4873beb7-5857-4685-be1f-d57550cc96cc" xsi:nil="true"/>
+    <AssetStart xmlns="4873beb7-5857-4685-be1f-d57550cc96cc">2012-05-11T02:04:00+00:00</AssetStart>
+    <Provider xmlns="4873beb7-5857-4685-be1f-d57550cc96cc" xsi:nil="true"/>
+    <AcquiredFrom xmlns="4873beb7-5857-4685-be1f-d57550cc96cc">Internal MS</AcquiredFrom>
+    <FriendlyTitle xmlns="4873beb7-5857-4685-be1f-d57550cc96cc" xsi:nil="true"/>
+    <LastHandOff xmlns="4873beb7-5857-4685-be1f-d57550cc96cc" xsi:nil="true"/>
+    <TPClientViewer xmlns="4873beb7-5857-4685-be1f-d57550cc96cc" xsi:nil="true"/>
+    <UACurrentWords xmlns="4873beb7-5857-4685-be1f-d57550cc96cc" xsi:nil="true"/>
+    <ArtSampleDocs xmlns="4873beb7-5857-4685-be1f-d57550cc96cc" xsi:nil="true"/>
+    <UALocRecommendation xmlns="4873beb7-5857-4685-be1f-d57550cc96cc">Localize</UALocRecommendation>
+    <Manager xmlns="4873beb7-5857-4685-be1f-d57550cc96cc" xsi:nil="true"/>
+    <ShowIn xmlns="4873beb7-5857-4685-be1f-d57550cc96cc">Show everywhere</ShowIn>
+    <UANotes xmlns="4873beb7-5857-4685-be1f-d57550cc96cc" xsi:nil="true"/>
+    <TemplateStatus xmlns="4873beb7-5857-4685-be1f-d57550cc96cc">Complete</TemplateStatus>
+    <InternalTagsTaxHTField0 xmlns="4873beb7-5857-4685-be1f-d57550cc96cc">
+      <Terms xmlns="http://schemas.microsoft.com/office/infopath/2007/PartnerControls"/>
+    </InternalTagsTaxHTField0>
+    <CSXHash xmlns="4873beb7-5857-4685-be1f-d57550cc96cc" xsi:nil="true"/>
+    <Downloads xmlns="4873beb7-5857-4685-be1f-d57550cc96cc">0</Downloads>
+    <VoteCount xmlns="4873beb7-5857-4685-be1f-d57550cc96cc" xsi:nil="true"/>
+    <OOCacheId xmlns="4873beb7-5857-4685-be1f-d57550cc96cc" xsi:nil="true"/>
+    <IsDeleted xmlns="4873beb7-5857-4685-be1f-d57550cc96cc">false</IsDeleted>
+    <AssetExpire xmlns="4873beb7-5857-4685-be1f-d57550cc96cc">2029-01-01T08:00:00+00:00</AssetExpire>
+    <DSATActionTaken xmlns="4873beb7-5857-4685-be1f-d57550cc96cc" xsi:nil="true"/>
+    <CSXSubmissionMarket xmlns="4873beb7-5857-4685-be1f-d57550cc96cc" xsi:nil="true"/>
+    <TPExecutable xmlns="4873beb7-5857-4685-be1f-d57550cc96cc" xsi:nil="true"/>
+    <SubmitterId xmlns="4873beb7-5857-4685-be1f-d57550cc96cc" xsi:nil="true"/>
+    <EditorialTags xmlns="4873beb7-5857-4685-be1f-d57550cc96cc" xsi:nil="true"/>
+    <ApprovalLog xmlns="4873beb7-5857-4685-be1f-d57550cc96cc" xsi:nil="true"/>
+    <AssetType xmlns="4873beb7-5857-4685-be1f-d57550cc96cc">TP</AssetType>
+    <BugNumber xmlns="4873beb7-5857-4685-be1f-d57550cc96cc" xsi:nil="true"/>
+    <CSXSubmissionDate xmlns="4873beb7-5857-4685-be1f-d57550cc96cc" xsi:nil="true"/>
+    <CSXUpdate xmlns="4873beb7-5857-4685-be1f-d57550cc96cc">false</CSXUpdate>
+    <Milestone xmlns="4873beb7-5857-4685-be1f-d57550cc96cc" xsi:nil="true"/>
+    <RecommendationsModifier xmlns="4873beb7-5857-4685-be1f-d57550cc96cc" xsi:nil="true"/>
+    <OriginAsset xmlns="4873beb7-5857-4685-be1f-d57550cc96cc" xsi:nil="true"/>
+    <TPComponent xmlns="4873beb7-5857-4685-be1f-d57550cc96cc" xsi:nil="true"/>
+    <AssetId xmlns="4873beb7-5857-4685-be1f-d57550cc96cc">TP102895246</AssetId>
+    <IntlLocPriority xmlns="4873beb7-5857-4685-be1f-d57550cc96cc" xsi:nil="true"/>
+    <PolicheckWords xmlns="4873beb7-5857-4685-be1f-d57550cc96cc" xsi:nil="true"/>
+    <TPLaunchHelpLink xmlns="4873beb7-5857-4685-be1f-d57550cc96cc" xsi:nil="true"/>
+    <TPApplication xmlns="4873beb7-5857-4685-be1f-d57550cc96cc" xsi:nil="true"/>
+    <CrawlForDependencies xmlns="4873beb7-5857-4685-be1f-d57550cc96cc">false</CrawlForDependencies>
+    <HandoffToMSDN xmlns="4873beb7-5857-4685-be1f-d57550cc96cc" xsi:nil="true"/>
+    <PlannedPubDate xmlns="4873beb7-5857-4685-be1f-d57550cc96cc" xsi:nil="true"/>
+    <IntlLangReviewer xmlns="4873beb7-5857-4685-be1f-d57550cc96cc" xsi:nil="true"/>
+    <TrustLevel xmlns="4873beb7-5857-4685-be1f-d57550cc96cc">1 Microsoft Managed Content</TrustLevel>
+    <LocLastLocAttemptVersionLookup xmlns="4873beb7-5857-4685-be1f-d57550cc96cc">835483</LocLastLocAttemptVersionLookup>
+    <IsSearchable xmlns="4873beb7-5857-4685-be1f-d57550cc96cc">true</IsSearchable>
+    <TemplateTemplateType xmlns="4873beb7-5857-4685-be1f-d57550cc96cc">PowerPoint Presentation Template</TemplateTemplateType>
+    <CampaignTagsTaxHTField0 xmlns="4873beb7-5857-4685-be1f-d57550cc96cc">
+      <Terms xmlns="http://schemas.microsoft.com/office/infopath/2007/PartnerControls"/>
+    </CampaignTagsTaxHTField0>
+    <TPNamespace xmlns="4873beb7-5857-4685-be1f-d57550cc96cc" xsi:nil="true"/>
+    <TaxCatchAll xmlns="4873beb7-5857-4685-be1f-d57550cc96cc"/>
+    <Markets xmlns="4873beb7-5857-4685-be1f-d57550cc96cc"/>
+    <UAProjectedTotalWords xmlns="4873beb7-5857-4685-be1f-d57550cc96cc" xsi:nil="true"/>
+    <IntlLangReview xmlns="4873beb7-5857-4685-be1f-d57550cc96cc">false</IntlLangReview>
+    <OutputCachingOn xmlns="4873beb7-5857-4685-be1f-d57550cc96cc">false</OutputCachingOn>
+    <AverageRating xmlns="4873beb7-5857-4685-be1f-d57550cc96cc" xsi:nil="true"/>
+    <APAuthor xmlns="4873beb7-5857-4685-be1f-d57550cc96cc">
+      <UserInfo>
+        <DisplayName>REDMOND\v-vaddu</DisplayName>
+        <AccountId>2567</AccountId>
+        <AccountType/>
+      </UserInfo>
+    </APAuthor>
+    <LocManualTestRequired xmlns="4873beb7-5857-4685-be1f-d57550cc96cc">false</LocManualTestRequired>
+    <TPCommandLine xmlns="4873beb7-5857-4685-be1f-d57550cc96cc" xsi:nil="true"/>
+    <TPAppVersion xmlns="4873beb7-5857-4685-be1f-d57550cc96cc" xsi:nil="true"/>
+    <EditorialStatus xmlns="4873beb7-5857-4685-be1f-d57550cc96cc">Complete</EditorialStatus>
+    <LastModifiedDateTime xmlns="4873beb7-5857-4685-be1f-d57550cc96cc" xsi:nil="true"/>
+    <ScenarioTagsTaxHTField0 xmlns="4873beb7-5857-4685-be1f-d57550cc96cc">
+      <Terms xmlns="http://schemas.microsoft.com/office/infopath/2007/PartnerControls"/>
+    </ScenarioTagsTaxHTField0>
+    <OriginalRelease xmlns="4873beb7-5857-4685-be1f-d57550cc96cc">15</OriginalRelease>
+    <TPLaunchHelpLinkType xmlns="4873beb7-5857-4685-be1f-d57550cc96cc">Template</TPLaunchHelpLinkType>
+    <LocalizationTagsTaxHTField0 xmlns="4873beb7-5857-4685-be1f-d57550cc96cc">
+      <Terms xmlns="http://schemas.microsoft.com/office/infopath/2007/PartnerControls"/>
+    </LocalizationTagsTaxHTField0>
+    <LocMarketGroupTiers2 xmlns="4873beb7-5857-4685-be1f-d57550cc96cc" xsi:nil="true"/>
+  </documentManagement>
+</p:properties>
+</file>
+
+<file path=customXml/item3.xml><?xml version="1.0" encoding="utf-8"?>
+<?mso-contentType ?>
+<FormTemplates xmlns="http://schemas.microsoft.com/sharepoint/v3/contenttype/forms">
+  <Display>DocumentLibraryForm</Display>
+  <Edit>AssetEditForm</Edit>
+  <New>DocumentLibraryForm</New>
+</FormTemplates>
+</file>
+
 <file path=customXml/itemProps1.xml><?xml version="1.0" encoding="utf-8"?>
-<ds:datastoreItem xmlns:ds="http://schemas.openxmlformats.org/officeDocument/2006/customXml" ds:itemID="{74228E6B-D70C-44BB-A81F-A245495F612B}">
+<ds:datastoreItem xmlns:ds="http://schemas.openxmlformats.org/officeDocument/2006/customXml" ds:itemID="{22CCB507-0646-4A50-A4F7-7F385079D589}">
   <ds:schemaRefs>
-    <ds:schemaRef ds:uri="http://schemas.microsoft.com/sharepoint/v3/contenttype/forms"/>
+    <ds:schemaRef ds:uri="http://schemas.microsoft.com/office/2006/metadata/contentType"/>
+    <ds:schemaRef ds:uri="http://schemas.microsoft.com/office/2006/metadata/properties/metaAttributes"/>
+    <ds:schemaRef ds:uri="http://www.w3.org/2001/XMLSchema"/>
+    <ds:schemaRef ds:uri="http://schemas.microsoft.com/office/2006/metadata/properties"/>
+    <ds:schemaRef ds:uri="4873beb7-5857-4685-be1f-d57550cc96cc"/>
+    <ds:schemaRef ds:uri="http://schemas.microsoft.com/office/2006/documentManagement/types"/>
+    <ds:schemaRef ds:uri="http://schemas.microsoft.com/office/infopath/2007/PartnerControls"/>
+    <ds:schemaRef ds:uri="http://schemas.openxmlformats.org/package/2006/metadata/core-properties"/>
+    <ds:schemaRef ds:uri="http://purl.org/dc/elements/1.1/"/>
+    <ds:schemaRef ds:uri="http://purl.org/dc/terms/"/>
+    <ds:schemaRef ds:uri="http://schemas.microsoft.com/internal/obd"/>
   </ds:schemaRefs>
 </ds:datastoreItem>
 </file>
@@ -18551,19 +18648,9 @@
 </file>
 
 <file path=customXml/itemProps3.xml><?xml version="1.0" encoding="utf-8"?>
-<ds:datastoreItem xmlns:ds="http://schemas.openxmlformats.org/officeDocument/2006/customXml" ds:itemID="{22CCB507-0646-4A50-A4F7-7F385079D589}">
+<ds:datastoreItem xmlns:ds="http://schemas.openxmlformats.org/officeDocument/2006/customXml" ds:itemID="{74228E6B-D70C-44BB-A81F-A245495F612B}">
   <ds:schemaRefs>
-    <ds:schemaRef ds:uri="http://schemas.microsoft.com/office/2006/metadata/contentType"/>
-    <ds:schemaRef ds:uri="http://schemas.microsoft.com/office/2006/metadata/properties/metaAttributes"/>
-    <ds:schemaRef ds:uri="http://www.w3.org/2001/XMLSchema"/>
-    <ds:schemaRef ds:uri="http://schemas.microsoft.com/office/2006/metadata/properties"/>
-    <ds:schemaRef ds:uri="4873beb7-5857-4685-be1f-d57550cc96cc"/>
-    <ds:schemaRef ds:uri="http://schemas.microsoft.com/office/2006/documentManagement/types"/>
-    <ds:schemaRef ds:uri="http://schemas.microsoft.com/office/infopath/2007/PartnerControls"/>
-    <ds:schemaRef ds:uri="http://schemas.openxmlformats.org/package/2006/metadata/core-properties"/>
-    <ds:schemaRef ds:uri="http://purl.org/dc/elements/1.1/"/>
-    <ds:schemaRef ds:uri="http://purl.org/dc/terms/"/>
-    <ds:schemaRef ds:uri="http://schemas.microsoft.com/internal/obd"/>
+    <ds:schemaRef ds:uri="http://schemas.microsoft.com/sharepoint/v3/contenttype/forms"/>
   </ds:schemaRefs>
 </ds:datastoreItem>
 </file>
--- a/pcsc_skylab.pptx
+++ b/pcsc_skylab.pptx
@@ -5,41 +5,40 @@
     <p:sldMasterId id="2147483720" r:id="rId4"/>
   </p:sldMasterIdLst>
   <p:notesMasterIdLst>
-    <p:notesMasterId r:id="rId29"/>
+    <p:notesMasterId r:id="rId28"/>
   </p:notesMasterIdLst>
   <p:handoutMasterIdLst>
-    <p:handoutMasterId r:id="rId30"/>
+    <p:handoutMasterId r:id="rId29"/>
   </p:handoutMasterIdLst>
   <p:sldIdLst>
     <p:sldId id="265" r:id="rId5"/>
-    <p:sldId id="353" r:id="rId6"/>
-    <p:sldId id="354" r:id="rId7"/>
-    <p:sldId id="340" r:id="rId8"/>
-    <p:sldId id="351" r:id="rId9"/>
-    <p:sldId id="321" r:id="rId10"/>
-    <p:sldId id="355" r:id="rId11"/>
-    <p:sldId id="328" r:id="rId12"/>
-    <p:sldId id="329" r:id="rId13"/>
-    <p:sldId id="347" r:id="rId14"/>
-    <p:sldId id="346" r:id="rId15"/>
-    <p:sldId id="342" r:id="rId16"/>
-    <p:sldId id="357" r:id="rId17"/>
-    <p:sldId id="349" r:id="rId18"/>
-    <p:sldId id="333" r:id="rId19"/>
-    <p:sldId id="360" r:id="rId20"/>
-    <p:sldId id="350" r:id="rId21"/>
-    <p:sldId id="352" r:id="rId22"/>
-    <p:sldId id="336" r:id="rId23"/>
-    <p:sldId id="362" r:id="rId24"/>
-    <p:sldId id="361" r:id="rId25"/>
-    <p:sldId id="317" r:id="rId26"/>
-    <p:sldId id="358" r:id="rId27"/>
-    <p:sldId id="359" r:id="rId28"/>
+    <p:sldId id="363" r:id="rId6"/>
+    <p:sldId id="340" r:id="rId7"/>
+    <p:sldId id="351" r:id="rId8"/>
+    <p:sldId id="321" r:id="rId9"/>
+    <p:sldId id="355" r:id="rId10"/>
+    <p:sldId id="328" r:id="rId11"/>
+    <p:sldId id="329" r:id="rId12"/>
+    <p:sldId id="347" r:id="rId13"/>
+    <p:sldId id="346" r:id="rId14"/>
+    <p:sldId id="342" r:id="rId15"/>
+    <p:sldId id="357" r:id="rId16"/>
+    <p:sldId id="349" r:id="rId17"/>
+    <p:sldId id="333" r:id="rId18"/>
+    <p:sldId id="360" r:id="rId19"/>
+    <p:sldId id="350" r:id="rId20"/>
+    <p:sldId id="352" r:id="rId21"/>
+    <p:sldId id="336" r:id="rId22"/>
+    <p:sldId id="362" r:id="rId23"/>
+    <p:sldId id="361" r:id="rId24"/>
+    <p:sldId id="317" r:id="rId25"/>
+    <p:sldId id="358" r:id="rId26"/>
+    <p:sldId id="359" r:id="rId27"/>
   </p:sldIdLst>
   <p:sldSz cx="12188825" cy="6858000"/>
   <p:notesSz cx="6858000" cy="9144000"/>
   <p:custDataLst>
-    <p:tags r:id="rId31"/>
+    <p:tags r:id="rId30"/>
   </p:custDataLst>
   <p:defaultTextStyle>
     <a:defPPr>
@@ -358,24 +357,24 @@
             </c:numRef>
           </c:val>
         </c:ser>
-        <c:axId val="119213056"/>
-        <c:axId val="119218944"/>
+        <c:axId val="134077440"/>
+        <c:axId val="133759744"/>
       </c:barChart>
       <c:catAx>
-        <c:axId val="119213056"/>
+        <c:axId val="134077440"/>
         <c:scaling>
           <c:orientation val="minMax"/>
         </c:scaling>
         <c:axPos val="b"/>
         <c:tickLblPos val="nextTo"/>
-        <c:crossAx val="119218944"/>
+        <c:crossAx val="133759744"/>
         <c:crosses val="autoZero"/>
         <c:auto val="1"/>
         <c:lblAlgn val="ctr"/>
         <c:lblOffset val="100"/>
       </c:catAx>
       <c:valAx>
-        <c:axId val="119218944"/>
+        <c:axId val="133759744"/>
         <c:scaling>
           <c:orientation val="minMax"/>
           <c:max val="10"/>
@@ -385,7 +384,7 @@
         <c:majorGridlines/>
         <c:numFmt formatCode="General" sourceLinked="1"/>
         <c:tickLblPos val="nextTo"/>
-        <c:crossAx val="119213056"/>
+        <c:crossAx val="134077440"/>
         <c:crosses val="autoZero"/>
         <c:crossBetween val="between"/>
       </c:valAx>
@@ -2977,43 +2976,6 @@
         </a:p>
       </dgm:t>
     </dgm:pt>
-    <dgm:pt modelId="{7997DDD1-C494-4DBD-B75F-2BBB78AD47F9}">
-      <dgm:prSet phldrT="[Text]"/>
-      <dgm:spPr/>
-      <dgm:t>
-        <a:bodyPr/>
-        <a:lstStyle/>
-        <a:p>
-          <a:r>
-            <a:rPr lang="en-US" dirty="0" smtClean="0"/>
-            <a:t>Initialize event listeners</a:t>
-          </a:r>
-          <a:endParaRPr lang="en-US" dirty="0"/>
-        </a:p>
-      </dgm:t>
-    </dgm:pt>
-    <dgm:pt modelId="{333F225B-F47F-4212-88C2-97C637C3DEC3}" type="parTrans" cxnId="{1C409758-3A1C-4D35-8962-B5375BA8B964}">
-      <dgm:prSet/>
-      <dgm:spPr/>
-      <dgm:t>
-        <a:bodyPr/>
-        <a:lstStyle/>
-        <a:p>
-          <a:endParaRPr lang="en-US"/>
-        </a:p>
-      </dgm:t>
-    </dgm:pt>
-    <dgm:pt modelId="{E5F6B8AE-F463-4302-8D28-EED77C1DA728}" type="sibTrans" cxnId="{1C409758-3A1C-4D35-8962-B5375BA8B964}">
-      <dgm:prSet/>
-      <dgm:spPr/>
-      <dgm:t>
-        <a:bodyPr/>
-        <a:lstStyle/>
-        <a:p>
-          <a:endParaRPr lang="en-US"/>
-        </a:p>
-      </dgm:t>
-    </dgm:pt>
     <dgm:pt modelId="{FB714757-F0DF-4DD1-B96F-4EEC8080A0CE}">
       <dgm:prSet phldrT="[Text]"/>
       <dgm:spPr/>
@@ -3324,8 +3286,6 @@
     <dgm:cxn modelId="{9CB91DCE-83E8-48F3-BD0E-912F69046EF7}" type="presOf" srcId="{FB986F71-3126-4196-BD30-74AEDC39A1CA}" destId="{E18C6CF4-EDEB-4539-A36D-E0355B626199}" srcOrd="0" destOrd="0" presId="urn:microsoft.com/office/officeart/2005/8/layout/hProcess4"/>
     <dgm:cxn modelId="{46B9CF0D-0569-4443-92BA-61708EBA7474}" type="presOf" srcId="{7AEB6639-3258-49E8-8B1F-B4A9C61922BE}" destId="{DC2A0ADB-DCE3-4BF4-9952-0394865777AC}" srcOrd="0" destOrd="0" presId="urn:microsoft.com/office/officeart/2005/8/layout/hProcess4"/>
     <dgm:cxn modelId="{4143D757-8617-4C89-8322-E3B29A1874AF}" srcId="{58828492-5CEF-4AFE-95CB-5D7E6A18158B}" destId="{68838C34-4D02-49F8-ADD7-BFA90D87B7EA}" srcOrd="0" destOrd="0" parTransId="{F2AD00AD-6A23-4C89-A107-68EF5D1F0B94}" sibTransId="{FFC4FCE7-6F2F-4F91-A74A-7C4C32A81657}"/>
-    <dgm:cxn modelId="{297DEC17-4699-41F1-A4D9-79F4F3B895C8}" type="presOf" srcId="{7997DDD1-C494-4DBD-B75F-2BBB78AD47F9}" destId="{67FFE978-6FBE-4424-80BE-B9E4B4DD0695}" srcOrd="1" destOrd="2" presId="urn:microsoft.com/office/officeart/2005/8/layout/hProcess4"/>
-    <dgm:cxn modelId="{1C409758-3A1C-4D35-8962-B5375BA8B964}" srcId="{F6D27D1B-CDCB-481F-B8FA-AB31B2A119DE}" destId="{7997DDD1-C494-4DBD-B75F-2BBB78AD47F9}" srcOrd="2" destOrd="0" parTransId="{333F225B-F47F-4212-88C2-97C637C3DEC3}" sibTransId="{E5F6B8AE-F463-4302-8D28-EED77C1DA728}"/>
     <dgm:cxn modelId="{4251C92E-018A-407D-9DFD-898E4CDC9F15}" type="presOf" srcId="{FB714757-F0DF-4DD1-B96F-4EEC8080A0CE}" destId="{843715D2-C2C2-41EB-BDA3-21230FBA46DB}" srcOrd="1" destOrd="1" presId="urn:microsoft.com/office/officeart/2005/8/layout/hProcess4"/>
     <dgm:cxn modelId="{B37178C2-8483-499C-BD9A-826E5217BB31}" srcId="{FB986F71-3126-4196-BD30-74AEDC39A1CA}" destId="{2DCC0651-7D77-42BD-977D-3C9E1B017E68}" srcOrd="1" destOrd="0" parTransId="{C0249EFE-90FE-469E-85B5-0FB39E35F8F9}" sibTransId="{4117D902-3B2C-4405-A5FC-C3EA4F7F3A56}"/>
     <dgm:cxn modelId="{E7E1634B-7448-45CD-A7C6-555F3A83B4BA}" type="presOf" srcId="{0B00F5A8-A0EF-4111-9D86-004317B4F49E}" destId="{67FFE978-6FBE-4424-80BE-B9E4B4DD0695}" srcOrd="1" destOrd="0" presId="urn:microsoft.com/office/officeart/2005/8/layout/hProcess4"/>
@@ -3343,7 +3303,6 @@
     <dgm:cxn modelId="{2D5B3E3B-3EE5-4072-933E-27DF5400591C}" srcId="{FB986F71-3126-4196-BD30-74AEDC39A1CA}" destId="{AB2E8498-CC81-452F-A895-08F3845AA347}" srcOrd="0" destOrd="0" parTransId="{4C65E2C8-0CBB-4D8C-AD60-6B0105C62B84}" sibTransId="{9A1F3304-AA9E-4FBC-89BA-9095C80E47C9}"/>
     <dgm:cxn modelId="{3D0E6464-E012-48EB-9175-CFB7929106D0}" type="presOf" srcId="{58828492-5CEF-4AFE-95CB-5D7E6A18158B}" destId="{047F5837-10E2-4FFC-A492-DB8A19EF48CA}" srcOrd="0" destOrd="0" presId="urn:microsoft.com/office/officeart/2005/8/layout/hProcess4"/>
     <dgm:cxn modelId="{D41E9A16-AFDD-4D39-B35C-6E21E87C0F3F}" srcId="{58828492-5CEF-4AFE-95CB-5D7E6A18158B}" destId="{FB714757-F0DF-4DD1-B96F-4EEC8080A0CE}" srcOrd="1" destOrd="0" parTransId="{8DA056F8-ACDC-4A8F-883D-29C1DE61FA39}" sibTransId="{83136EFD-FB1C-4F13-9D50-8B12C2B223AC}"/>
-    <dgm:cxn modelId="{4B948622-B758-421C-B84A-C7E62451BC26}" type="presOf" srcId="{7997DDD1-C494-4DBD-B75F-2BBB78AD47F9}" destId="{E83793B4-2C5C-4D90-82FA-E5EE4745664D}" srcOrd="0" destOrd="2" presId="urn:microsoft.com/office/officeart/2005/8/layout/hProcess4"/>
     <dgm:cxn modelId="{BBFFEB59-77EE-46F4-8547-74B9B65FA47B}" type="presOf" srcId="{FB714757-F0DF-4DD1-B96F-4EEC8080A0CE}" destId="{69C28D3B-E083-42DF-9EA0-916CA12125A9}" srcOrd="0" destOrd="1" presId="urn:microsoft.com/office/officeart/2005/8/layout/hProcess4"/>
     <dgm:cxn modelId="{0BD4B653-C694-4BDB-9698-72620B22E7A2}" type="presOf" srcId="{6E7DBE00-7E5B-46F8-BBA0-CF0079A58E82}" destId="{843715D2-C2C2-41EB-BDA3-21230FBA46DB}" srcOrd="1" destOrd="2" presId="urn:microsoft.com/office/officeart/2005/8/layout/hProcess4"/>
     <dgm:cxn modelId="{7CEFE904-C2BF-4229-86CE-277409079F57}" type="presOf" srcId="{65B6D8B9-E558-4264-B37F-7B4B2A8896DF}" destId="{67FFE978-6FBE-4424-80BE-B9E4B4DD0695}" srcOrd="1" destOrd="1" presId="urn:microsoft.com/office/officeart/2005/8/layout/hProcess4"/>
@@ -4244,25 +4203,6 @@
           <a:r>
             <a:rPr lang="en-US" sz="1600" kern="1200" dirty="0" smtClean="0"/>
             <a:t> for each active cluster</a:t>
-          </a:r>
-          <a:endParaRPr lang="en-US" sz="1600" kern="1200" dirty="0"/>
-        </a:p>
-        <a:p>
-          <a:pPr marL="171450" lvl="1" indent="-171450" algn="l" defTabSz="711200">
-            <a:lnSpc>
-              <a:spcPct val="90000"/>
-            </a:lnSpc>
-            <a:spcBef>
-              <a:spcPct val="0"/>
-            </a:spcBef>
-            <a:spcAft>
-              <a:spcPct val="15000"/>
-            </a:spcAft>
-            <a:buChar char="••"/>
-          </a:pPr>
-          <a:r>
-            <a:rPr lang="en-US" sz="1600" kern="1200" dirty="0" smtClean="0"/>
-            <a:t>Initialize event listeners</a:t>
           </a:r>
           <a:endParaRPr lang="en-US" sz="1600" kern="1200" dirty="0"/>
         </a:p>
@@ -9721,7 +9661,7 @@
             <a:fld id="{59088EAF-6ECA-4616-85EF-35AA19C641F3}" type="datetimeFigureOut">
               <a:rPr lang="en-US"/>
               <a:pPr/>
-              <a:t>3/14/2017</a:t>
+              <a:t>3/16/2017</a:t>
             </a:fld>
             <a:endParaRPr/>
           </a:p>
@@ -9888,7 +9828,7 @@
             <a:fld id="{3ABD2D7A-D230-4F91-BD59-0A39C2703BA8}" type="datetimeFigureOut">
               <a:rPr lang="en-US"/>
               <a:pPr/>
-              <a:t>3/14/2017</a:t>
+              <a:t>3/16/2017</a:t>
             </a:fld>
             <a:endParaRPr/>
           </a:p>
@@ -10224,7 +10164,7 @@
             <a:fld id="{F93199CD-3E1B-4AE6-990F-76F925F5EA9F}" type="slidenum">
               <a:rPr lang="en-US" smtClean="0"/>
               <a:pPr/>
-              <a:t>18</a:t>
+              <a:t>17</a:t>
             </a:fld>
             <a:endParaRPr lang="en-US"/>
           </a:p>
@@ -10590,7 +10530,7 @@
             <a:fld id="{354022EB-4218-4A41-B618-BDAA5892C1DF}" type="datetime1">
               <a:rPr lang="en-US" smtClean="0"/>
               <a:pPr/>
-              <a:t>3/14/2017</a:t>
+              <a:t>3/16/2017</a:t>
             </a:fld>
             <a:endParaRPr lang="en-US"/>
           </a:p>
@@ -10788,7 +10728,7 @@
             <a:fld id="{62A0BB3E-C46F-4973-9AD4-C4470BC755C5}" type="datetime1">
               <a:rPr lang="en-US" smtClean="0"/>
               <a:pPr/>
-              <a:t>3/14/2017</a:t>
+              <a:t>3/16/2017</a:t>
             </a:fld>
             <a:endParaRPr lang="en-US"/>
           </a:p>
@@ -10983,7 +10923,7 @@
             <a:fld id="{94FA2A83-B600-4D20-A6A1-F840BE19C359}" type="datetime1">
               <a:rPr lang="en-US" smtClean="0"/>
               <a:pPr/>
-              <a:t>3/14/2017</a:t>
+              <a:t>3/16/2017</a:t>
             </a:fld>
             <a:endParaRPr lang="en-US"/>
           </a:p>
@@ -11269,7 +11209,7 @@
             <a:fld id="{5CA9B8A1-1897-40A6-AB5A-283CBD3181E5}" type="datetime1">
               <a:rPr lang="en-US" smtClean="0"/>
               <a:pPr/>
-              <a:t>3/14/2017</a:t>
+              <a:t>3/16/2017</a:t>
             </a:fld>
             <a:endParaRPr lang="en-US"/>
           </a:p>
@@ -11579,7 +11519,7 @@
             <a:fld id="{22ECB096-5896-4B09-8CC9-67A0177BDC20}" type="datetime1">
               <a:rPr lang="en-US" smtClean="0"/>
               <a:pPr/>
-              <a:t>3/14/2017</a:t>
+              <a:t>3/16/2017</a:t>
             </a:fld>
             <a:endParaRPr lang="en-US"/>
           </a:p>
@@ -12041,7 +11981,7 @@
             <a:fld id="{B2027AEE-D62A-413E-A4FE-3444F439DFDE}" type="datetime1">
               <a:rPr lang="en-US" smtClean="0"/>
               <a:pPr/>
-              <a:t>3/14/2017</a:t>
+              <a:t>3/16/2017</a:t>
             </a:fld>
             <a:endParaRPr lang="en-US"/>
           </a:p>
@@ -12177,7 +12117,7 @@
             <a:fld id="{23FECC2B-1E90-4845-A0E3-C699239D597E}" type="datetime1">
               <a:rPr lang="en-US" smtClean="0"/>
               <a:pPr/>
-              <a:t>3/14/2017</a:t>
+              <a:t>3/16/2017</a:t>
             </a:fld>
             <a:endParaRPr lang="en-US"/>
           </a:p>
@@ -12298,7 +12238,7 @@
             <a:fld id="{A54A2E82-F294-4736-B75F-692F1C054A77}" type="datetime1">
               <a:rPr lang="en-US" smtClean="0"/>
               <a:pPr/>
-              <a:t>3/14/2017</a:t>
+              <a:t>3/16/2017</a:t>
             </a:fld>
             <a:endParaRPr lang="en-US"/>
           </a:p>
@@ -12626,7 +12566,7 @@
             <a:fld id="{72BA0450-2D41-499D-9B94-48FDB45615F4}" type="datetime1">
               <a:rPr lang="en-US" smtClean="0"/>
               <a:pPr/>
-              <a:t>3/14/2017</a:t>
+              <a:t>3/16/2017</a:t>
             </a:fld>
             <a:endParaRPr lang="en-US"/>
           </a:p>
@@ -12943,7 +12883,7 @@
             <a:fld id="{C5B25A01-A52E-42D2-9D0F-DD2F7A08B684}" type="datetime1">
               <a:rPr lang="en-US" smtClean="0"/>
               <a:pPr/>
-              <a:t>3/14/2017</a:t>
+              <a:t>3/16/2017</a:t>
             </a:fld>
             <a:endParaRPr lang="en-US"/>
           </a:p>
@@ -13201,7 +13141,7 @@
             <a:fld id="{C0954F09-9FFE-42CD-B5DC-96C70EE94A8C}" type="datetime1">
               <a:rPr lang="en-US" smtClean="0"/>
               <a:pPr/>
-              <a:t>3/14/2017</a:t>
+              <a:t>3/16/2017</a:t>
             </a:fld>
             <a:endParaRPr lang="en-US"/>
           </a:p>
@@ -13819,155 +13759,6 @@
       </p:grpSpPr>
       <p:sp>
         <p:nvSpPr>
-          <p:cNvPr id="2" name="Title 1"/>
-          <p:cNvSpPr>
-            <a:spLocks noGrp="1"/>
-          </p:cNvSpPr>
-          <p:nvPr>
-            <p:ph type="title"/>
-          </p:nvPr>
-        </p:nvSpPr>
-        <p:spPr>
-          <a:xfrm>
-            <a:off x="836612" y="381000"/>
-            <a:ext cx="10363199" cy="1371600"/>
-          </a:xfrm>
-        </p:spPr>
-        <p:txBody>
-          <a:bodyPr>
-            <a:normAutofit/>
-          </a:bodyPr>
-          <a:lstStyle/>
-          <a:p>
-            <a:r>
-              <a:rPr lang="en-US" dirty="0" smtClean="0"/>
-              <a:t>Toolset</a:t>
-            </a:r>
-            <a:endParaRPr lang="en-US" dirty="0"/>
-          </a:p>
-        </p:txBody>
-      </p:sp>
-      <p:pic>
-        <p:nvPicPr>
-          <p:cNvPr id="4" name="Content Placeholder 3" descr="code.png"/>
-          <p:cNvPicPr>
-            <a:picLocks noGrp="1" noChangeAspect="1"/>
-          </p:cNvPicPr>
-          <p:nvPr>
-            <p:ph idx="1"/>
-          </p:nvPr>
-        </p:nvPicPr>
-        <p:blipFill>
-          <a:blip r:embed="rId2" cstate="print"/>
-          <a:stretch>
-            <a:fillRect/>
-          </a:stretch>
-        </p:blipFill>
-        <p:spPr>
-          <a:xfrm>
-            <a:off x="836612" y="2590800"/>
-            <a:ext cx="10338872" cy="2593480"/>
-          </a:xfrm>
-        </p:spPr>
-      </p:pic>
-      <p:sp>
-        <p:nvSpPr>
-          <p:cNvPr id="5" name="TextBox 4"/>
-          <p:cNvSpPr txBox="1"/>
-          <p:nvPr/>
-        </p:nvSpPr>
-        <p:spPr>
-          <a:xfrm>
-            <a:off x="3656012" y="5334000"/>
-            <a:ext cx="4648200" cy="369332"/>
-          </a:xfrm>
-          <a:prstGeom prst="rect">
-            <a:avLst/>
-          </a:prstGeom>
-          <a:noFill/>
-        </p:spPr>
-        <p:txBody>
-          <a:bodyPr wrap="square" rtlCol="0">
-            <a:spAutoFit/>
-          </a:bodyPr>
-          <a:lstStyle/>
-          <a:p>
-            <a:r>
-              <a:rPr lang="en-US" dirty="0" err="1" smtClean="0">
-                <a:solidFill>
-                  <a:schemeClr val="tx1">
-                    <a:lumMod val="75000"/>
-                  </a:schemeClr>
-                </a:solidFill>
-              </a:rPr>
-              <a:t>run_tool</a:t>
-            </a:r>
-            <a:r>
-              <a:rPr lang="en-US" dirty="0" smtClean="0">
-                <a:solidFill>
-                  <a:schemeClr val="tx1">
-                    <a:lumMod val="75000"/>
-                  </a:schemeClr>
-                </a:solidFill>
-              </a:rPr>
-              <a:t> method implementation for  GAMESS</a:t>
-            </a:r>
-            <a:endParaRPr lang="en-US" dirty="0">
-              <a:solidFill>
-                <a:schemeClr val="tx1">
-                  <a:lumMod val="75000"/>
-                </a:schemeClr>
-              </a:solidFill>
-            </a:endParaRPr>
-          </a:p>
-        </p:txBody>
-      </p:sp>
-    </p:spTree>
-  </p:cSld>
-  <p:clrMapOvr>
-    <a:masterClrMapping/>
-  </p:clrMapOvr>
-  <mc:AlternateContent xmlns:mc="http://schemas.openxmlformats.org/markup-compatibility/2006">
-    <mc:Choice xmlns:p14="http://schemas.microsoft.com/office/powerpoint/2010/main" xmlns="" Requires="p14">
-      <p:transition spd="med" p14:dur="700">
-        <p:fade/>
-      </p:transition>
-    </mc:Choice>
-    <mc:Fallback>
-      <p:transition spd="med">
-        <p:fade/>
-      </p:transition>
-    </mc:Fallback>
-  </mc:AlternateContent>
-  <p:timing>
-    <p:tnLst>
-      <p:par>
-        <p:cTn id="1" dur="indefinite" restart="never" nodeType="tmRoot"/>
-      </p:par>
-    </p:tnLst>
-  </p:timing>
-</p:sld>
-</file>
-
-<file path=ppt/slides/slide11.xml><?xml version="1.0" encoding="utf-8"?>
-<p:sld xmlns:a="http://schemas.openxmlformats.org/drawingml/2006/main" xmlns:r="http://schemas.openxmlformats.org/officeDocument/2006/relationships" xmlns:p="http://schemas.openxmlformats.org/presentationml/2006/main">
-  <p:cSld>
-    <p:spTree>
-      <p:nvGrpSpPr>
-        <p:cNvPr id="1" name=""/>
-        <p:cNvGrpSpPr/>
-        <p:nvPr/>
-      </p:nvGrpSpPr>
-      <p:grpSpPr>
-        <a:xfrm>
-          <a:off x="0" y="0"/>
-          <a:ext cx="0" cy="0"/>
-          <a:chOff x="0" y="0"/>
-          <a:chExt cx="0" cy="0"/>
-        </a:xfrm>
-      </p:grpSpPr>
-      <p:sp>
-        <p:nvSpPr>
           <p:cNvPr id="5" name="Title 4"/>
           <p:cNvSpPr>
             <a:spLocks noGrp="1"/>
@@ -14035,7 +13826,7 @@
 </p:sld>
 </file>
 
-<file path=ppt/slides/slide12.xml><?xml version="1.0" encoding="utf-8"?>
+<file path=ppt/slides/slide11.xml><?xml version="1.0" encoding="utf-8"?>
 <p:sld xmlns:a="http://schemas.openxmlformats.org/drawingml/2006/main" xmlns:r="http://schemas.openxmlformats.org/officeDocument/2006/relationships" xmlns:p="http://schemas.openxmlformats.org/presentationml/2006/main">
   <p:cSld>
     <p:spTree>
@@ -14102,10 +13893,6 @@
           <a:bodyPr/>
           <a:lstStyle/>
           <a:p>
-            <a:r>
-              <a:rPr lang="en-US" dirty="0" smtClean="0"/>
-              <a:t>Form specifying cluster parameters</a:t>
-            </a:r>
             <a:endParaRPr lang="en-US" dirty="0"/>
           </a:p>
         </p:txBody>
@@ -14130,6 +13917,134 @@
           <a:xfrm>
             <a:off x="2284413" y="1524001"/>
             <a:ext cx="8159503" cy="4780959"/>
+          </a:xfrm>
+          <a:prstGeom prst="rect">
+            <a:avLst/>
+          </a:prstGeom>
+          <a:noFill/>
+          <a:ln>
+            <a:noFill/>
+          </a:ln>
+        </p:spPr>
+      </p:pic>
+    </p:spTree>
+  </p:cSld>
+  <p:clrMapOvr>
+    <a:masterClrMapping/>
+  </p:clrMapOvr>
+  <mc:AlternateContent xmlns:mc="http://schemas.openxmlformats.org/markup-compatibility/2006">
+    <mc:Choice xmlns:p14="http://schemas.microsoft.com/office/powerpoint/2010/main" xmlns="" Requires="p14">
+      <p:transition spd="med" p14:dur="700">
+        <p:fade/>
+      </p:transition>
+    </mc:Choice>
+    <mc:Fallback>
+      <p:transition spd="med">
+        <p:fade/>
+      </p:transition>
+    </mc:Fallback>
+  </mc:AlternateContent>
+  <p:timing>
+    <p:tnLst>
+      <p:par>
+        <p:cTn id="1" dur="indefinite" restart="never" nodeType="tmRoot"/>
+      </p:par>
+    </p:tnLst>
+  </p:timing>
+</p:sld>
+</file>
+
+<file path=ppt/slides/slide12.xml><?xml version="1.0" encoding="utf-8"?>
+<p:sld xmlns:a="http://schemas.openxmlformats.org/drawingml/2006/main" xmlns:r="http://schemas.openxmlformats.org/officeDocument/2006/relationships" xmlns:p="http://schemas.openxmlformats.org/presentationml/2006/main">
+  <p:cSld>
+    <p:spTree>
+      <p:nvGrpSpPr>
+        <p:cNvPr id="1" name=""/>
+        <p:cNvGrpSpPr/>
+        <p:nvPr/>
+      </p:nvGrpSpPr>
+      <p:grpSpPr>
+        <a:xfrm>
+          <a:off x="0" y="0"/>
+          <a:ext cx="0" cy="0"/>
+          <a:chOff x="0" y="0"/>
+          <a:chExt cx="0" cy="0"/>
+        </a:xfrm>
+      </p:grpSpPr>
+      <p:sp>
+        <p:nvSpPr>
+          <p:cNvPr id="4" name="Title 3"/>
+          <p:cNvSpPr>
+            <a:spLocks noGrp="1"/>
+          </p:cNvSpPr>
+          <p:nvPr>
+            <p:ph type="title"/>
+          </p:nvPr>
+        </p:nvSpPr>
+        <p:spPr>
+          <a:xfrm>
+            <a:off x="989012" y="381000"/>
+            <a:ext cx="4724400" cy="838200"/>
+          </a:xfrm>
+        </p:spPr>
+        <p:txBody>
+          <a:bodyPr>
+            <a:normAutofit fontScale="90000"/>
+          </a:bodyPr>
+          <a:lstStyle/>
+          <a:p>
+            <a:r>
+              <a:rPr lang="en-US" dirty="0" smtClean="0"/>
+              <a:t>MPI cluster monitoring</a:t>
+            </a:r>
+            <a:endParaRPr lang="en-US" dirty="0"/>
+          </a:p>
+        </p:txBody>
+      </p:sp>
+      <p:sp>
+        <p:nvSpPr>
+          <p:cNvPr id="6" name="Text Placeholder 5"/>
+          <p:cNvSpPr>
+            <a:spLocks noGrp="1"/>
+          </p:cNvSpPr>
+          <p:nvPr>
+            <p:ph type="body" sz="half" idx="2"/>
+          </p:nvPr>
+        </p:nvSpPr>
+        <p:spPr>
+          <a:xfrm>
+            <a:off x="989012" y="1143000"/>
+            <a:ext cx="4191000" cy="1371600"/>
+          </a:xfrm>
+        </p:spPr>
+        <p:txBody>
+          <a:bodyPr/>
+          <a:lstStyle/>
+          <a:p>
+            <a:endParaRPr lang="en-US" dirty="0"/>
+          </a:p>
+        </p:txBody>
+      </p:sp>
+      <p:pic>
+        <p:nvPicPr>
+          <p:cNvPr id="5" name="Picture Placeholder 4" descr="n_impi_parameters_printed.png"/>
+          <p:cNvPicPr>
+            <a:picLocks noGrp="1" noChangeAspect="1"/>
+          </p:cNvPicPr>
+          <p:nvPr>
+            <p:ph type="pic" idx="1"/>
+          </p:nvPr>
+        </p:nvPicPr>
+        <p:blipFill>
+          <a:blip r:embed="rId2" cstate="print"/>
+          <a:stretch>
+            <a:fillRect/>
+          </a:stretch>
+        </p:blipFill>
+        <p:spPr>
+          <a:xfrm>
+            <a:off x="2284414" y="1524001"/>
+            <a:ext cx="8159501" cy="4780959"/>
           </a:xfrm>
           <a:prstGeom prst="rect">
             <a:avLst/>
@@ -14208,7 +14123,7 @@
           <a:p>
             <a:r>
               <a:rPr lang="en-US" dirty="0" smtClean="0"/>
-              <a:t>MPI cluster monitoring</a:t>
+              <a:t>MPI cluster management</a:t>
             </a:r>
             <a:endParaRPr lang="en-US" dirty="0"/>
           </a:p>
@@ -14227,17 +14142,13 @@
         <p:spPr>
           <a:xfrm>
             <a:off x="989012" y="1143000"/>
-            <a:ext cx="4191000" cy="1371600"/>
+            <a:ext cx="4038600" cy="1371600"/>
           </a:xfrm>
         </p:spPr>
         <p:txBody>
           <a:bodyPr/>
           <a:lstStyle/>
           <a:p>
-            <a:r>
-              <a:rPr lang="en-US" dirty="0" smtClean="0"/>
-              <a:t>List view of clusters visible to the user</a:t>
-            </a:r>
             <a:endParaRPr lang="en-US" dirty="0"/>
           </a:p>
         </p:txBody>
@@ -14261,7 +14172,7 @@
         <p:spPr>
           <a:xfrm>
             <a:off x="2284414" y="1524001"/>
-            <a:ext cx="8159501" cy="4780959"/>
+            <a:ext cx="8159501" cy="4780958"/>
           </a:xfrm>
           <a:prstGeom prst="rect">
             <a:avLst/>
@@ -14329,18 +14240,16 @@
         <p:spPr>
           <a:xfrm>
             <a:off x="989012" y="381000"/>
-            <a:ext cx="4724400" cy="838200"/>
+            <a:ext cx="3596607" cy="838200"/>
           </a:xfrm>
         </p:spPr>
         <p:txBody>
-          <a:bodyPr>
-            <a:normAutofit fontScale="90000"/>
-          </a:bodyPr>
+          <a:bodyPr/>
           <a:lstStyle/>
           <a:p>
             <a:r>
               <a:rPr lang="en-US" dirty="0" smtClean="0"/>
-              <a:t>MPI cluster management</a:t>
+              <a:t>Task submission</a:t>
             </a:r>
             <a:endParaRPr lang="en-US" dirty="0"/>
           </a:p>
@@ -14359,21 +14268,13 @@
         <p:spPr>
           <a:xfrm>
             <a:off x="989012" y="1143000"/>
-            <a:ext cx="4038600" cy="1371600"/>
+            <a:ext cx="3581399" cy="1371600"/>
           </a:xfrm>
         </p:spPr>
         <p:txBody>
           <a:bodyPr/>
           <a:lstStyle/>
           <a:p>
-            <a:r>
-              <a:rPr lang="en-US" dirty="0" smtClean="0"/>
-              <a:t>Detail view of an MPI cluster on </a:t>
-            </a:r>
-            <a:r>
-              <a:rPr lang="en-US" dirty="0" err="1" smtClean="0"/>
-              <a:t>SkyLab</a:t>
-            </a:r>
             <a:endParaRPr lang="en-US" dirty="0"/>
           </a:p>
         </p:txBody>
@@ -14396,8 +14297,8 @@
         </p:blipFill>
         <p:spPr>
           <a:xfrm>
-            <a:off x="2284414" y="1524001"/>
-            <a:ext cx="8159501" cy="4780958"/>
+            <a:off x="2284412" y="1524000"/>
+            <a:ext cx="8159505" cy="4780961"/>
           </a:xfrm>
           <a:prstGeom prst="rect">
             <a:avLst/>
@@ -14474,7 +14375,7 @@
           <a:p>
             <a:r>
               <a:rPr lang="en-US" dirty="0" smtClean="0"/>
-              <a:t>Task submission</a:t>
+              <a:t>Task output</a:t>
             </a:r>
             <a:endParaRPr lang="en-US" dirty="0"/>
           </a:p>
@@ -14500,10 +14401,6 @@
           <a:bodyPr/>
           <a:lstStyle/>
           <a:p>
-            <a:r>
-              <a:rPr lang="en-US" dirty="0" smtClean="0"/>
-              <a:t>IMPI task submission form</a:t>
-            </a:r>
             <a:endParaRPr lang="en-US" dirty="0"/>
           </a:p>
         </p:txBody>
@@ -14526,8 +14423,8 @@
         </p:blipFill>
         <p:spPr>
           <a:xfrm>
-            <a:off x="2284412" y="1524000"/>
-            <a:ext cx="8159505" cy="4780961"/>
+            <a:off x="760412" y="1828800"/>
+            <a:ext cx="10562097" cy="4114800"/>
           </a:xfrm>
           <a:prstGeom prst="rect">
             <a:avLst/>
@@ -14630,146 +14527,6 @@
           <a:bodyPr/>
           <a:lstStyle/>
           <a:p>
-            <a:r>
-              <a:rPr lang="en-US" dirty="0" smtClean="0"/>
-              <a:t>Sample output of IMPI Task</a:t>
-            </a:r>
-          </a:p>
-          <a:p>
-            <a:endParaRPr lang="en-US" dirty="0"/>
-          </a:p>
-        </p:txBody>
-      </p:sp>
-      <p:pic>
-        <p:nvPicPr>
-          <p:cNvPr id="5" name="Picture Placeholder 4" descr="n_impi_parameters_printed.png"/>
-          <p:cNvPicPr>
-            <a:picLocks noGrp="1" noChangeAspect="1"/>
-          </p:cNvPicPr>
-          <p:nvPr>
-            <p:ph type="pic" idx="1"/>
-          </p:nvPr>
-        </p:nvPicPr>
-        <p:blipFill>
-          <a:blip r:embed="rId2" cstate="print"/>
-          <a:stretch>
-            <a:fillRect/>
-          </a:stretch>
-        </p:blipFill>
-        <p:spPr>
-          <a:xfrm>
-            <a:off x="760412" y="1828800"/>
-            <a:ext cx="10562097" cy="4114800"/>
-          </a:xfrm>
-          <a:prstGeom prst="rect">
-            <a:avLst/>
-          </a:prstGeom>
-          <a:noFill/>
-          <a:ln>
-            <a:noFill/>
-          </a:ln>
-        </p:spPr>
-      </p:pic>
-    </p:spTree>
-  </p:cSld>
-  <p:clrMapOvr>
-    <a:masterClrMapping/>
-  </p:clrMapOvr>
-  <mc:AlternateContent xmlns:mc="http://schemas.openxmlformats.org/markup-compatibility/2006">
-    <mc:Choice xmlns:p14="http://schemas.microsoft.com/office/powerpoint/2010/main" xmlns="" Requires="p14">
-      <p:transition spd="med" p14:dur="700">
-        <p:fade/>
-      </p:transition>
-    </mc:Choice>
-    <mc:Fallback>
-      <p:transition spd="med">
-        <p:fade/>
-      </p:transition>
-    </mc:Fallback>
-  </mc:AlternateContent>
-  <p:timing>
-    <p:tnLst>
-      <p:par>
-        <p:cTn id="1" dur="indefinite" restart="never" nodeType="tmRoot"/>
-      </p:par>
-    </p:tnLst>
-  </p:timing>
-</p:sld>
-</file>
-
-<file path=ppt/slides/slide17.xml><?xml version="1.0" encoding="utf-8"?>
-<p:sld xmlns:a="http://schemas.openxmlformats.org/drawingml/2006/main" xmlns:r="http://schemas.openxmlformats.org/officeDocument/2006/relationships" xmlns:p="http://schemas.openxmlformats.org/presentationml/2006/main">
-  <p:cSld>
-    <p:spTree>
-      <p:nvGrpSpPr>
-        <p:cNvPr id="1" name=""/>
-        <p:cNvGrpSpPr/>
-        <p:nvPr/>
-      </p:nvGrpSpPr>
-      <p:grpSpPr>
-        <a:xfrm>
-          <a:off x="0" y="0"/>
-          <a:ext cx="0" cy="0"/>
-          <a:chOff x="0" y="0"/>
-          <a:chExt cx="0" cy="0"/>
-        </a:xfrm>
-      </p:grpSpPr>
-      <p:sp>
-        <p:nvSpPr>
-          <p:cNvPr id="4" name="Title 3"/>
-          <p:cNvSpPr>
-            <a:spLocks noGrp="1"/>
-          </p:cNvSpPr>
-          <p:nvPr>
-            <p:ph type="title"/>
-          </p:nvPr>
-        </p:nvSpPr>
-        <p:spPr>
-          <a:xfrm>
-            <a:off x="989012" y="381000"/>
-            <a:ext cx="3596607" cy="838200"/>
-          </a:xfrm>
-        </p:spPr>
-        <p:txBody>
-          <a:bodyPr/>
-          <a:lstStyle/>
-          <a:p>
-            <a:r>
-              <a:rPr lang="en-US" dirty="0" smtClean="0"/>
-              <a:t>Task output</a:t>
-            </a:r>
-            <a:endParaRPr lang="en-US" dirty="0"/>
-          </a:p>
-        </p:txBody>
-      </p:sp>
-      <p:sp>
-        <p:nvSpPr>
-          <p:cNvPr id="6" name="Text Placeholder 5"/>
-          <p:cNvSpPr>
-            <a:spLocks noGrp="1"/>
-          </p:cNvSpPr>
-          <p:nvPr>
-            <p:ph type="body" sz="half" idx="2"/>
-          </p:nvPr>
-        </p:nvSpPr>
-        <p:spPr>
-          <a:xfrm>
-            <a:off x="989012" y="1143000"/>
-            <a:ext cx="3581399" cy="1371600"/>
-          </a:xfrm>
-        </p:spPr>
-        <p:txBody>
-          <a:bodyPr/>
-          <a:lstStyle/>
-          <a:p>
-            <a:r>
-              <a:rPr lang="en-US" dirty="0" smtClean="0"/>
-              <a:t>Sample output of GAMESS task rendered with </a:t>
-            </a:r>
-            <a:r>
-              <a:rPr lang="en-US" dirty="0" err="1" smtClean="0"/>
-              <a:t>JSmol</a:t>
-            </a:r>
             <a:endParaRPr lang="en-US" dirty="0"/>
           </a:p>
         </p:txBody>
@@ -14831,7 +14588,7 @@
 </p:sld>
 </file>
 
-<file path=ppt/slides/slide18.xml><?xml version="1.0" encoding="utf-8"?>
+<file path=ppt/slides/slide17.xml><?xml version="1.0" encoding="utf-8"?>
 <p:sld xmlns:a="http://schemas.openxmlformats.org/drawingml/2006/main" xmlns:r="http://schemas.openxmlformats.org/officeDocument/2006/relationships" xmlns:p="http://schemas.openxmlformats.org/presentationml/2006/main">
   <p:cSld>
     <p:spTree>
@@ -14958,7 +14715,7 @@
 </p:sld>
 </file>
 
-<file path=ppt/slides/slide19.xml><?xml version="1.0" encoding="utf-8"?>
+<file path=ppt/slides/slide18.xml><?xml version="1.0" encoding="utf-8"?>
 <p:sld xmlns:a="http://schemas.openxmlformats.org/drawingml/2006/main" xmlns:r="http://schemas.openxmlformats.org/officeDocument/2006/relationships" xmlns:p="http://schemas.openxmlformats.org/presentationml/2006/main">
   <p:cSld>
     <p:spTree>
@@ -15082,138 +14839,7 @@
 </p:sld>
 </file>
 
-<file path=ppt/slides/slide2.xml><?xml version="1.0" encoding="utf-8"?>
-<p:sld xmlns:a="http://schemas.openxmlformats.org/drawingml/2006/main" xmlns:r="http://schemas.openxmlformats.org/officeDocument/2006/relationships" xmlns:p="http://schemas.openxmlformats.org/presentationml/2006/main">
-  <p:cSld>
-    <p:spTree>
-      <p:nvGrpSpPr>
-        <p:cNvPr id="1" name=""/>
-        <p:cNvGrpSpPr/>
-        <p:nvPr/>
-      </p:nvGrpSpPr>
-      <p:grpSpPr>
-        <a:xfrm>
-          <a:off x="0" y="0"/>
-          <a:ext cx="0" cy="0"/>
-          <a:chOff x="0" y="0"/>
-          <a:chExt cx="0" cy="0"/>
-        </a:xfrm>
-      </p:grpSpPr>
-      <p:sp>
-        <p:nvSpPr>
-          <p:cNvPr id="2" name="Title 1"/>
-          <p:cNvSpPr>
-            <a:spLocks noGrp="1"/>
-          </p:cNvSpPr>
-          <p:nvPr>
-            <p:ph type="title"/>
-          </p:nvPr>
-        </p:nvSpPr>
-        <p:spPr/>
-        <p:txBody>
-          <a:bodyPr/>
-          <a:lstStyle/>
-          <a:p>
-            <a:r>
-              <a:rPr lang="en-US" dirty="0" err="1" smtClean="0"/>
-              <a:t>SkyLab</a:t>
-            </a:r>
-            <a:endParaRPr lang="en-US" dirty="0"/>
-          </a:p>
-        </p:txBody>
-      </p:sp>
-      <p:sp>
-        <p:nvSpPr>
-          <p:cNvPr id="3" name="Content Placeholder 2"/>
-          <p:cNvSpPr>
-            <a:spLocks noGrp="1"/>
-          </p:cNvSpPr>
-          <p:nvPr>
-            <p:ph idx="1"/>
-          </p:nvPr>
-        </p:nvSpPr>
-        <p:spPr/>
-        <p:txBody>
-          <a:bodyPr/>
-          <a:lstStyle/>
-          <a:p>
-            <a:r>
-              <a:rPr lang="en-US" dirty="0" smtClean="0"/>
-              <a:t>A web application that allows users to run HPC tools that utilize MPI via Peak-Two Cloud (P2C)</a:t>
-            </a:r>
-          </a:p>
-          <a:p>
-            <a:r>
-              <a:rPr lang="en-US" dirty="0" smtClean="0"/>
-              <a:t>Allows users to deploy MPI clusters on-demand</a:t>
-            </a:r>
-          </a:p>
-          <a:p>
-            <a:r>
-              <a:rPr lang="en-US" dirty="0" smtClean="0"/>
-              <a:t>Allows users to submit tasks for HPC tools, and download the resulting output files</a:t>
-            </a:r>
-          </a:p>
-          <a:p>
-            <a:r>
-              <a:rPr lang="en-US" dirty="0" smtClean="0"/>
-              <a:t>Currently supported tools:</a:t>
-            </a:r>
-          </a:p>
-          <a:p>
-            <a:pPr lvl="1"/>
-            <a:r>
-              <a:rPr lang="en-US" dirty="0" smtClean="0"/>
-              <a:t>AutoDock4, </a:t>
-            </a:r>
-            <a:r>
-              <a:rPr lang="en-US" dirty="0" err="1" smtClean="0"/>
-              <a:t>AutoDock</a:t>
-            </a:r>
-            <a:r>
-              <a:rPr lang="en-US" dirty="0" smtClean="0"/>
-              <a:t> </a:t>
-            </a:r>
-            <a:r>
-              <a:rPr lang="en-US" dirty="0" err="1" smtClean="0"/>
-              <a:t>Vina</a:t>
-            </a:r>
-            <a:r>
-              <a:rPr lang="en-US" dirty="0" smtClean="0"/>
-              <a:t>, DOCK 6, Quantum ESPRESSO, GAMESS, Ray, IMPI</a:t>
-            </a:r>
-            <a:endParaRPr lang="en-US" dirty="0"/>
-          </a:p>
-        </p:txBody>
-      </p:sp>
-    </p:spTree>
-  </p:cSld>
-  <p:clrMapOvr>
-    <a:masterClrMapping/>
-  </p:clrMapOvr>
-  <mc:AlternateContent xmlns:mc="http://schemas.openxmlformats.org/markup-compatibility/2006">
-    <mc:Choice xmlns:p14="http://schemas.microsoft.com/office/powerpoint/2010/main" xmlns="" Requires="p14">
-      <p:transition spd="med" p14:dur="700">
-        <p:fade/>
-      </p:transition>
-    </mc:Choice>
-    <mc:Fallback>
-      <p:transition spd="med">
-        <p:fade/>
-      </p:transition>
-    </mc:Fallback>
-  </mc:AlternateContent>
-  <p:timing>
-    <p:tnLst>
-      <p:par>
-        <p:cTn id="1" dur="indefinite" restart="never" nodeType="tmRoot"/>
-      </p:par>
-    </p:tnLst>
-  </p:timing>
-</p:sld>
-</file>
-
-<file path=ppt/slides/slide20.xml><?xml version="1.0" encoding="utf-8"?>
+<file path=ppt/slides/slide19.xml><?xml version="1.0" encoding="utf-8"?>
 <p:sld xmlns:a="http://schemas.openxmlformats.org/drawingml/2006/main" xmlns:r="http://schemas.openxmlformats.org/officeDocument/2006/relationships" xmlns:p="http://schemas.openxmlformats.org/presentationml/2006/main">
   <p:cSld>
     <p:spTree>
@@ -15283,11 +14909,7 @@
           <a:p>
             <a:r>
               <a:rPr lang="en-US" dirty="0" smtClean="0"/>
-              <a:t> </a:t>
-            </a:r>
-            <a:r>
-              <a:rPr lang="en-US" dirty="0" smtClean="0"/>
-              <a:t>We would like to thank our collaborators who provided the use cases for the tools, Dr. Marlon </a:t>
+              <a:t> We would like to thank our collaborators who provided the use cases for the tools, Dr. Marlon </a:t>
             </a:r>
             <a:r>
               <a:rPr lang="en-US" dirty="0" err="1" smtClean="0"/>
@@ -15311,7 +14933,6 @@
               <a:rPr lang="en-US" dirty="0" smtClean="0"/>
               <a:t>Finally, we acknowledge the valuable comments by the reviewers</a:t>
             </a:r>
-            <a:endParaRPr lang="en-US" dirty="0" smtClean="0"/>
           </a:p>
         </p:txBody>
       </p:sp>
@@ -15342,7 +14963,241 @@
 </p:sld>
 </file>
 
-<file path=ppt/slides/slide21.xml><?xml version="1.0" encoding="utf-8"?>
+<file path=ppt/slides/slide2.xml><?xml version="1.0" encoding="utf-8"?>
+<p:sld xmlns:a="http://schemas.openxmlformats.org/drawingml/2006/main" xmlns:r="http://schemas.openxmlformats.org/officeDocument/2006/relationships" xmlns:p="http://schemas.openxmlformats.org/presentationml/2006/main">
+  <p:cSld>
+    <p:spTree>
+      <p:nvGrpSpPr>
+        <p:cNvPr id="1" name=""/>
+        <p:cNvGrpSpPr/>
+        <p:nvPr/>
+      </p:nvGrpSpPr>
+      <p:grpSpPr>
+        <a:xfrm>
+          <a:off x="0" y="0"/>
+          <a:ext cx="0" cy="0"/>
+          <a:chOff x="0" y="0"/>
+          <a:chExt cx="0" cy="0"/>
+        </a:xfrm>
+      </p:grpSpPr>
+      <p:sp>
+        <p:nvSpPr>
+          <p:cNvPr id="2" name="Title 1"/>
+          <p:cNvSpPr>
+            <a:spLocks noGrp="1"/>
+          </p:cNvSpPr>
+          <p:nvPr>
+            <p:ph type="title"/>
+          </p:nvPr>
+        </p:nvSpPr>
+        <p:spPr/>
+        <p:txBody>
+          <a:bodyPr/>
+          <a:lstStyle/>
+          <a:p>
+            <a:r>
+              <a:rPr lang="en-US" dirty="0" err="1" smtClean="0"/>
+              <a:t>SkyLab</a:t>
+            </a:r>
+            <a:endParaRPr lang="en-US" dirty="0"/>
+          </a:p>
+        </p:txBody>
+      </p:sp>
+      <p:sp>
+        <p:nvSpPr>
+          <p:cNvPr id="3" name="Content Placeholder 2"/>
+          <p:cNvSpPr>
+            <a:spLocks noGrp="1"/>
+          </p:cNvSpPr>
+          <p:nvPr>
+            <p:ph idx="1"/>
+          </p:nvPr>
+        </p:nvSpPr>
+        <p:spPr/>
+        <p:txBody>
+          <a:bodyPr/>
+          <a:lstStyle/>
+          <a:p>
+            <a:r>
+              <a:rPr lang="en-US" dirty="0" smtClean="0"/>
+              <a:t>Molecular Docking</a:t>
+            </a:r>
+          </a:p>
+          <a:p>
+            <a:r>
+              <a:rPr lang="en-US" dirty="0" smtClean="0"/>
+              <a:t>Sequence Alignment </a:t>
+            </a:r>
+          </a:p>
+          <a:p>
+            <a:r>
+              <a:rPr lang="en-US" dirty="0" smtClean="0"/>
+              <a:t>De novo assembly</a:t>
+            </a:r>
+          </a:p>
+          <a:p>
+            <a:r>
+              <a:rPr lang="en-US" dirty="0" smtClean="0"/>
+              <a:t>Materials Science </a:t>
+            </a:r>
+          </a:p>
+          <a:p>
+            <a:r>
+              <a:rPr lang="en-US" dirty="0" smtClean="0"/>
+              <a:t>Quantum Chemistry</a:t>
+            </a:r>
+            <a:endParaRPr lang="en-US" dirty="0"/>
+          </a:p>
+        </p:txBody>
+      </p:sp>
+      <p:pic>
+        <p:nvPicPr>
+          <p:cNvPr id="4" name="Picture 3" descr="dock6.gif"/>
+          <p:cNvPicPr>
+            <a:picLocks noChangeAspect="1"/>
+          </p:cNvPicPr>
+          <p:nvPr/>
+        </p:nvPicPr>
+        <p:blipFill>
+          <a:blip r:embed="rId2" cstate="print"/>
+          <a:stretch>
+            <a:fillRect/>
+          </a:stretch>
+        </p:blipFill>
+        <p:spPr>
+          <a:xfrm>
+            <a:off x="8761412" y="1828800"/>
+            <a:ext cx="2076450" cy="1952625"/>
+          </a:xfrm>
+          <a:prstGeom prst="rect">
+            <a:avLst/>
+          </a:prstGeom>
+        </p:spPr>
+      </p:pic>
+      <p:pic>
+        <p:nvPicPr>
+          <p:cNvPr id="5" name="Picture 4" descr="Picture1.png"/>
+          <p:cNvPicPr>
+            <a:picLocks noChangeAspect="1"/>
+          </p:cNvPicPr>
+          <p:nvPr/>
+        </p:nvPicPr>
+        <p:blipFill>
+          <a:blip r:embed="rId3" cstate="print"/>
+          <a:stretch>
+            <a:fillRect/>
+          </a:stretch>
+        </p:blipFill>
+        <p:spPr>
+          <a:xfrm>
+            <a:off x="6399212" y="3048000"/>
+            <a:ext cx="2158730" cy="1168254"/>
+          </a:xfrm>
+          <a:prstGeom prst="rect">
+            <a:avLst/>
+          </a:prstGeom>
+        </p:spPr>
+      </p:pic>
+      <p:pic>
+        <p:nvPicPr>
+          <p:cNvPr id="6" name="Picture 5" descr="Picture2.png"/>
+          <p:cNvPicPr>
+            <a:picLocks noChangeAspect="1"/>
+          </p:cNvPicPr>
+          <p:nvPr/>
+        </p:nvPicPr>
+        <p:blipFill>
+          <a:blip r:embed="rId4" cstate="print"/>
+          <a:stretch>
+            <a:fillRect/>
+          </a:stretch>
+        </p:blipFill>
+        <p:spPr>
+          <a:xfrm>
+            <a:off x="6932612" y="1859190"/>
+            <a:ext cx="1036410" cy="1036410"/>
+          </a:xfrm>
+          <a:prstGeom prst="rect">
+            <a:avLst/>
+          </a:prstGeom>
+        </p:spPr>
+      </p:pic>
+      <p:pic>
+        <p:nvPicPr>
+          <p:cNvPr id="7" name="Picture 6" descr="Picture3.jpg"/>
+          <p:cNvPicPr>
+            <a:picLocks noChangeAspect="1"/>
+          </p:cNvPicPr>
+          <p:nvPr/>
+        </p:nvPicPr>
+        <p:blipFill>
+          <a:blip r:embed="rId5" cstate="print"/>
+          <a:stretch>
+            <a:fillRect/>
+          </a:stretch>
+        </p:blipFill>
+        <p:spPr>
+          <a:xfrm>
+            <a:off x="1535112" y="4978400"/>
+            <a:ext cx="3873500" cy="965200"/>
+          </a:xfrm>
+          <a:prstGeom prst="rect">
+            <a:avLst/>
+          </a:prstGeom>
+        </p:spPr>
+      </p:pic>
+      <p:pic>
+        <p:nvPicPr>
+          <p:cNvPr id="8" name="Picture 7" descr="Picture4.jpg"/>
+          <p:cNvPicPr>
+            <a:picLocks noChangeAspect="1"/>
+          </p:cNvPicPr>
+          <p:nvPr/>
+        </p:nvPicPr>
+        <p:blipFill>
+          <a:blip r:embed="rId6" cstate="print"/>
+          <a:stretch>
+            <a:fillRect/>
+          </a:stretch>
+        </p:blipFill>
+        <p:spPr>
+          <a:xfrm>
+            <a:off x="6551612" y="4114800"/>
+            <a:ext cx="4229100" cy="1828800"/>
+          </a:xfrm>
+          <a:prstGeom prst="rect">
+            <a:avLst/>
+          </a:prstGeom>
+        </p:spPr>
+      </p:pic>
+    </p:spTree>
+  </p:cSld>
+  <p:clrMapOvr>
+    <a:masterClrMapping/>
+  </p:clrMapOvr>
+  <mc:AlternateContent xmlns:mc="http://schemas.openxmlformats.org/markup-compatibility/2006">
+    <mc:Choice xmlns:p14="http://schemas.microsoft.com/office/powerpoint/2010/main" xmlns="" Requires="p14">
+      <p:transition spd="med" p14:dur="700">
+        <p:fade/>
+      </p:transition>
+    </mc:Choice>
+    <mc:Fallback>
+      <p:transition spd="med">
+        <p:fade/>
+      </p:transition>
+    </mc:Fallback>
+  </mc:AlternateContent>
+  <p:timing>
+    <p:tnLst>
+      <p:par>
+        <p:cTn id="1" dur="indefinite" restart="never" nodeType="tmRoot"/>
+      </p:par>
+    </p:tnLst>
+  </p:timing>
+</p:sld>
+</file>
+
+<file path=ppt/slides/slide20.xml><?xml version="1.0" encoding="utf-8"?>
 <p:sld xmlns:a="http://schemas.openxmlformats.org/drawingml/2006/main" xmlns:r="http://schemas.openxmlformats.org/officeDocument/2006/relationships" xmlns:p="http://schemas.openxmlformats.org/presentationml/2006/main">
   <p:cSld>
     <p:spTree>
@@ -15426,10 +15281,17 @@
       </p:transition>
     </mc:Fallback>
   </mc:AlternateContent>
+  <p:timing>
+    <p:tnLst>
+      <p:par>
+        <p:cTn id="1" dur="indefinite" restart="never" nodeType="tmRoot"/>
+      </p:par>
+    </p:tnLst>
+  </p:timing>
 </p:sld>
 </file>
 
-<file path=ppt/slides/slide22.xml><?xml version="1.0" encoding="utf-8"?>
+<file path=ppt/slides/slide21.xml><?xml version="1.0" encoding="utf-8"?>
 <p:sld xmlns:a="http://schemas.openxmlformats.org/drawingml/2006/main" xmlns:r="http://schemas.openxmlformats.org/officeDocument/2006/relationships" xmlns:p="http://schemas.openxmlformats.org/presentationml/2006/main">
   <p:cSld>
     <p:spTree>
@@ -15504,7 +15366,7 @@
           <a:p>
             <a:r>
               <a:rPr lang="en-US" dirty="0" smtClean="0"/>
-              <a:t>Support for custom workflow design</a:t>
+              <a:t>Support for customizable workflow design</a:t>
             </a:r>
           </a:p>
           <a:p>
@@ -15548,7 +15410,7 @@
 </p:sld>
 </file>
 
-<file path=ppt/slides/slide23.xml><?xml version="1.0" encoding="utf-8"?>
+<file path=ppt/slides/slide22.xml><?xml version="1.0" encoding="utf-8"?>
 <p:sld xmlns:a="http://schemas.openxmlformats.org/drawingml/2006/main" xmlns:r="http://schemas.openxmlformats.org/officeDocument/2006/relationships" xmlns:p="http://schemas.openxmlformats.org/presentationml/2006/main">
   <p:cSld>
     <p:spTree>
@@ -15718,7 +15580,7 @@
 </p:sld>
 </file>
 
-<file path=ppt/slides/slide24.xml><?xml version="1.0" encoding="utf-8"?>
+<file path=ppt/slides/slide23.xml><?xml version="1.0" encoding="utf-8"?>
 <p:sld xmlns:a="http://schemas.openxmlformats.org/drawingml/2006/main" xmlns:r="http://schemas.openxmlformats.org/officeDocument/2006/relationships" xmlns:p="http://schemas.openxmlformats.org/presentationml/2006/main">
   <p:cSld>
     <p:spTree>
@@ -15781,7 +15643,7 @@
       </p:grpSpPr>
       <p:sp>
         <p:nvSpPr>
-          <p:cNvPr id="2" name="Title 1"/>
+          <p:cNvPr id="4" name="Title 3"/>
           <p:cNvSpPr>
             <a:spLocks noGrp="1"/>
           </p:cNvSpPr>
@@ -15796,7 +15658,7 @@
           <a:p>
             <a:r>
               <a:rPr lang="en-US" dirty="0" smtClean="0"/>
-              <a:t>Outline</a:t>
+              <a:t>Background</a:t>
             </a:r>
             <a:endParaRPr lang="en-US" dirty="0"/>
           </a:p>
@@ -15804,7 +15666,7 @@
       </p:sp>
       <p:sp>
         <p:nvSpPr>
-          <p:cNvPr id="3" name="Content Placeholder 2"/>
+          <p:cNvPr id="5" name="Content Placeholder 4"/>
           <p:cNvSpPr>
             <a:spLocks noGrp="1"/>
           </p:cNvSpPr>
@@ -15819,37 +15681,20 @@
           <a:p>
             <a:r>
               <a:rPr lang="en-US" dirty="0" smtClean="0"/>
-              <a:t>Background</a:t>
+              <a:t>Peak-Two Cloud (P2C)</a:t>
             </a:r>
           </a:p>
           <a:p>
             <a:r>
-              <a:rPr lang="en-US" dirty="0" smtClean="0"/>
-              <a:t>Motivation</a:t>
+              <a:rPr lang="en-US" dirty="0" err="1" smtClean="0"/>
+              <a:t>vCluster</a:t>
             </a:r>
+            <a:endParaRPr lang="en-US" dirty="0" smtClean="0"/>
           </a:p>
           <a:p>
             <a:r>
               <a:rPr lang="en-US" dirty="0" smtClean="0"/>
-              <a:t>Objectives</a:t>
-            </a:r>
-          </a:p>
-          <a:p>
-            <a:r>
-              <a:rPr lang="en-US" dirty="0" smtClean="0"/>
-              <a:t>System Architecture</a:t>
-            </a:r>
-          </a:p>
-          <a:p>
-            <a:r>
-              <a:rPr lang="en-US" dirty="0" smtClean="0"/>
-              <a:t>Results</a:t>
-            </a:r>
-          </a:p>
-          <a:p>
-            <a:r>
-              <a:rPr lang="en-US" dirty="0" smtClean="0"/>
-              <a:t>Summary</a:t>
+              <a:t>p2c-tools</a:t>
             </a:r>
           </a:p>
         </p:txBody>
@@ -15915,7 +15760,7 @@
           <a:p>
             <a:r>
               <a:rPr lang="en-US" dirty="0" smtClean="0"/>
-              <a:t>Background</a:t>
+              <a:t>Motivation</a:t>
             </a:r>
             <a:endParaRPr lang="en-US" dirty="0"/>
           </a:p>
@@ -15937,53 +15782,21 @@
           <a:lstStyle/>
           <a:p>
             <a:r>
-              <a:rPr lang="en-US" b="1" dirty="0" smtClean="0"/>
-              <a:t>Peak-Two Cloud </a:t>
-            </a:r>
-            <a:r>
               <a:rPr lang="en-US" dirty="0" smtClean="0"/>
-              <a:t>(P2C)</a:t>
-            </a:r>
-          </a:p>
-          <a:p>
-            <a:pPr lvl="1"/>
-            <a:r>
-              <a:rPr lang="en-US" dirty="0" err="1" smtClean="0"/>
-              <a:t>Openstack</a:t>
-            </a:r>
-            <a:r>
-              <a:rPr lang="en-US" dirty="0" smtClean="0"/>
-              <a:t>-based private cloud on top of commodity hardware targeted for scientific and high-performance computing</a:t>
+              <a:t>Using HPC applications require knowledge in terminal usage and scripting</a:t>
             </a:r>
           </a:p>
           <a:p>
             <a:r>
-              <a:rPr lang="en-US" b="1" dirty="0" err="1" smtClean="0"/>
-              <a:t>vCluster</a:t>
+              <a:rPr lang="en-US" dirty="0" smtClean="0"/>
+              <a:t>Making it difficult for non-technical users (physicists, chemists, biologists) to use </a:t>
             </a:r>
-            <a:endParaRPr lang="en-US" b="1" dirty="0" smtClean="0"/>
           </a:p>
           <a:p>
-            <a:pPr lvl="1"/>
-            <a:r>
-              <a:rPr lang="en-US" dirty="0" smtClean="0"/>
-              <a:t>Tool for automatic configuration and deployment of MPI cluster on demand</a:t>
-            </a:r>
-            <a:endParaRPr lang="en-US" dirty="0"/>
-          </a:p>
-          <a:p>
-            <a:r>
-              <a:rPr lang="en-US" b="1" dirty="0" smtClean="0"/>
-              <a:t>p2c-tools</a:t>
-            </a:r>
+            <a:pPr>
+              <a:buNone/>
+            </a:pPr>
             <a:endParaRPr lang="en-US" dirty="0" smtClean="0"/>
-          </a:p>
-          <a:p>
-            <a:pPr lvl="1"/>
-            <a:r>
-              <a:rPr lang="en-US" dirty="0" smtClean="0"/>
-              <a:t>Utility for configuring tools with MPI clusters</a:t>
-            </a:r>
           </a:p>
         </p:txBody>
       </p:sp>
@@ -16048,107 +15861,6 @@
           <a:p>
             <a:r>
               <a:rPr lang="en-US" dirty="0" smtClean="0"/>
-              <a:t>Motivation</a:t>
-            </a:r>
-            <a:endParaRPr lang="en-US" dirty="0"/>
-          </a:p>
-        </p:txBody>
-      </p:sp>
-      <p:sp>
-        <p:nvSpPr>
-          <p:cNvPr id="5" name="Content Placeholder 4"/>
-          <p:cNvSpPr>
-            <a:spLocks noGrp="1"/>
-          </p:cNvSpPr>
-          <p:nvPr>
-            <p:ph idx="1"/>
-          </p:nvPr>
-        </p:nvSpPr>
-        <p:spPr/>
-        <p:txBody>
-          <a:bodyPr/>
-          <a:lstStyle/>
-          <a:p>
-            <a:r>
-              <a:rPr lang="en-US" dirty="0" smtClean="0"/>
-              <a:t>Using HPC applications require knowledge in terminal usage and scripting</a:t>
-            </a:r>
-          </a:p>
-          <a:p>
-            <a:r>
-              <a:rPr lang="en-US" dirty="0" smtClean="0"/>
-              <a:t>This makes it difficult for non-technical users (physicists, chemists, biologists) to use </a:t>
-            </a:r>
-          </a:p>
-          <a:p>
-            <a:pPr>
-              <a:buNone/>
-            </a:pPr>
-            <a:endParaRPr lang="en-US" dirty="0" smtClean="0"/>
-          </a:p>
-        </p:txBody>
-      </p:sp>
-    </p:spTree>
-  </p:cSld>
-  <p:clrMapOvr>
-    <a:masterClrMapping/>
-  </p:clrMapOvr>
-  <mc:AlternateContent xmlns:mc="http://schemas.openxmlformats.org/markup-compatibility/2006">
-    <mc:Choice xmlns:p14="http://schemas.microsoft.com/office/powerpoint/2010/main" xmlns="" Requires="p14">
-      <p:transition spd="med" p14:dur="700">
-        <p:fade/>
-      </p:transition>
-    </mc:Choice>
-    <mc:Fallback>
-      <p:transition spd="med">
-        <p:fade/>
-      </p:transition>
-    </mc:Fallback>
-  </mc:AlternateContent>
-  <p:timing>
-    <p:tnLst>
-      <p:par>
-        <p:cTn id="1" dur="indefinite" restart="never" nodeType="tmRoot"/>
-      </p:par>
-    </p:tnLst>
-  </p:timing>
-</p:sld>
-</file>
-
-<file path=ppt/slides/slide6.xml><?xml version="1.0" encoding="utf-8"?>
-<p:sld xmlns:a="http://schemas.openxmlformats.org/drawingml/2006/main" xmlns:r="http://schemas.openxmlformats.org/officeDocument/2006/relationships" xmlns:p="http://schemas.openxmlformats.org/presentationml/2006/main">
-  <p:cSld>
-    <p:spTree>
-      <p:nvGrpSpPr>
-        <p:cNvPr id="1" name=""/>
-        <p:cNvGrpSpPr/>
-        <p:nvPr/>
-      </p:nvGrpSpPr>
-      <p:grpSpPr>
-        <a:xfrm>
-          <a:off x="0" y="0"/>
-          <a:ext cx="0" cy="0"/>
-          <a:chOff x="0" y="0"/>
-          <a:chExt cx="0" cy="0"/>
-        </a:xfrm>
-      </p:grpSpPr>
-      <p:sp>
-        <p:nvSpPr>
-          <p:cNvPr id="4" name="Title 3"/>
-          <p:cNvSpPr>
-            <a:spLocks noGrp="1"/>
-          </p:cNvSpPr>
-          <p:nvPr>
-            <p:ph type="title"/>
-          </p:nvPr>
-        </p:nvSpPr>
-        <p:spPr/>
-        <p:txBody>
-          <a:bodyPr/>
-          <a:lstStyle/>
-          <a:p>
-            <a:r>
-              <a:rPr lang="en-US" dirty="0" smtClean="0"/>
               <a:t>Objectives</a:t>
             </a:r>
             <a:endParaRPr lang="en-US" dirty="0"/>
@@ -16176,7 +15888,7 @@
             </a:pPr>
             <a:r>
               <a:rPr lang="en-US" dirty="0" smtClean="0"/>
-              <a:t>allow users to execute HPC tools via web interface;</a:t>
+              <a:t>allow users to execute HPC tools via web interface</a:t>
             </a:r>
           </a:p>
           <a:p>
@@ -16186,7 +15898,7 @@
             </a:pPr>
             <a:r>
               <a:rPr lang="en-US" dirty="0" smtClean="0"/>
-              <a:t>enable developers to easily extend it to support additional HPC tools;</a:t>
+              <a:t>enable developers to easily extend it to support additional HPC tools</a:t>
             </a:r>
           </a:p>
           <a:p>
@@ -16196,7 +15908,7 @@
             </a:pPr>
             <a:r>
               <a:rPr lang="en-US" dirty="0" smtClean="0"/>
-              <a:t>enable users to share their instantiated clusters; and </a:t>
+              <a:t>enable users to share their instantiated clusters</a:t>
             </a:r>
           </a:p>
           <a:p>
@@ -16238,7 +15950,7 @@
 </p:sld>
 </file>
 
-<file path=ppt/slides/slide7.xml><?xml version="1.0" encoding="utf-8"?>
+<file path=ppt/slides/slide6.xml><?xml version="1.0" encoding="utf-8"?>
 <p:sld xmlns:a="http://schemas.openxmlformats.org/drawingml/2006/main" xmlns:r="http://schemas.openxmlformats.org/officeDocument/2006/relationships" xmlns:p="http://schemas.openxmlformats.org/presentationml/2006/main">
   <p:cSld>
     <p:spTree>
@@ -16324,7 +16036,7 @@
 </p:sld>
 </file>
 
-<file path=ppt/slides/slide8.xml><?xml version="1.0" encoding="utf-8"?>
+<file path=ppt/slides/slide7.xml><?xml version="1.0" encoding="utf-8"?>
 <p:sld xmlns:a="http://schemas.openxmlformats.org/drawingml/2006/main" xmlns:r="http://schemas.openxmlformats.org/officeDocument/2006/relationships" xmlns:p="http://schemas.openxmlformats.org/presentationml/2006/main">
   <p:cSld>
     <p:spTree>
@@ -16421,7 +16133,7 @@
 </p:sld>
 </file>
 
-<file path=ppt/slides/slide9.xml><?xml version="1.0" encoding="utf-8"?>
+<file path=ppt/slides/slide8.xml><?xml version="1.0" encoding="utf-8"?>
 <p:sld xmlns:a="http://schemas.openxmlformats.org/drawingml/2006/main" xmlns:r="http://schemas.openxmlformats.org/officeDocument/2006/relationships" xmlns:p="http://schemas.openxmlformats.org/presentationml/2006/main">
   <p:cSld>
     <p:spTree>
@@ -16638,6 +16350,155 @@
   </p:clrMapOvr>
   <mc:AlternateContent xmlns:mc="http://schemas.openxmlformats.org/markup-compatibility/2006">
     <mc:Choice xmlns="" xmlns:p14="http://schemas.microsoft.com/office/powerpoint/2010/main" Requires="p14">
+      <p:transition spd="med" p14:dur="700">
+        <p:fade/>
+      </p:transition>
+    </mc:Choice>
+    <mc:Fallback>
+      <p:transition spd="med">
+        <p:fade/>
+      </p:transition>
+    </mc:Fallback>
+  </mc:AlternateContent>
+  <p:timing>
+    <p:tnLst>
+      <p:par>
+        <p:cTn id="1" dur="indefinite" restart="never" nodeType="tmRoot"/>
+      </p:par>
+    </p:tnLst>
+  </p:timing>
+</p:sld>
+</file>
+
+<file path=ppt/slides/slide9.xml><?xml version="1.0" encoding="utf-8"?>
+<p:sld xmlns:a="http://schemas.openxmlformats.org/drawingml/2006/main" xmlns:r="http://schemas.openxmlformats.org/officeDocument/2006/relationships" xmlns:p="http://schemas.openxmlformats.org/presentationml/2006/main">
+  <p:cSld>
+    <p:spTree>
+      <p:nvGrpSpPr>
+        <p:cNvPr id="1" name=""/>
+        <p:cNvGrpSpPr/>
+        <p:nvPr/>
+      </p:nvGrpSpPr>
+      <p:grpSpPr>
+        <a:xfrm>
+          <a:off x="0" y="0"/>
+          <a:ext cx="0" cy="0"/>
+          <a:chOff x="0" y="0"/>
+          <a:chExt cx="0" cy="0"/>
+        </a:xfrm>
+      </p:grpSpPr>
+      <p:sp>
+        <p:nvSpPr>
+          <p:cNvPr id="2" name="Title 1"/>
+          <p:cNvSpPr>
+            <a:spLocks noGrp="1"/>
+          </p:cNvSpPr>
+          <p:nvPr>
+            <p:ph type="title"/>
+          </p:nvPr>
+        </p:nvSpPr>
+        <p:spPr>
+          <a:xfrm>
+            <a:off x="836612" y="381000"/>
+            <a:ext cx="10363199" cy="1371600"/>
+          </a:xfrm>
+        </p:spPr>
+        <p:txBody>
+          <a:bodyPr>
+            <a:normAutofit/>
+          </a:bodyPr>
+          <a:lstStyle/>
+          <a:p>
+            <a:r>
+              <a:rPr lang="en-US" dirty="0" smtClean="0"/>
+              <a:t>Toolset</a:t>
+            </a:r>
+            <a:endParaRPr lang="en-US" dirty="0"/>
+          </a:p>
+        </p:txBody>
+      </p:sp>
+      <p:pic>
+        <p:nvPicPr>
+          <p:cNvPr id="4" name="Content Placeholder 3" descr="code.png"/>
+          <p:cNvPicPr>
+            <a:picLocks noGrp="1" noChangeAspect="1"/>
+          </p:cNvPicPr>
+          <p:nvPr>
+            <p:ph idx="1"/>
+          </p:nvPr>
+        </p:nvPicPr>
+        <p:blipFill>
+          <a:blip r:embed="rId2" cstate="print"/>
+          <a:stretch>
+            <a:fillRect/>
+          </a:stretch>
+        </p:blipFill>
+        <p:spPr>
+          <a:xfrm>
+            <a:off x="836612" y="2590800"/>
+            <a:ext cx="10338872" cy="2593479"/>
+          </a:xfrm>
+        </p:spPr>
+      </p:pic>
+      <p:sp>
+        <p:nvSpPr>
+          <p:cNvPr id="5" name="TextBox 4"/>
+          <p:cNvSpPr txBox="1"/>
+          <p:nvPr/>
+        </p:nvSpPr>
+        <p:spPr>
+          <a:xfrm>
+            <a:off x="3656012" y="5334000"/>
+            <a:ext cx="4648200" cy="369332"/>
+          </a:xfrm>
+          <a:prstGeom prst="rect">
+            <a:avLst/>
+          </a:prstGeom>
+          <a:noFill/>
+        </p:spPr>
+        <p:txBody>
+          <a:bodyPr wrap="square" rtlCol="0">
+            <a:spAutoFit/>
+          </a:bodyPr>
+          <a:lstStyle/>
+          <a:p>
+            <a:r>
+              <a:rPr lang="en-US" dirty="0" err="1" smtClean="0">
+                <a:solidFill>
+                  <a:schemeClr val="tx1">
+                    <a:lumMod val="75000"/>
+                  </a:schemeClr>
+                </a:solidFill>
+              </a:rPr>
+              <a:t>run_tool</a:t>
+            </a:r>
+            <a:r>
+              <a:rPr lang="en-US" dirty="0" smtClean="0">
+                <a:solidFill>
+                  <a:schemeClr val="tx1">
+                    <a:lumMod val="75000"/>
+                  </a:schemeClr>
+                </a:solidFill>
+              </a:rPr>
+              <a:t> method implementation for  GAMESS</a:t>
+            </a:r>
+            <a:endParaRPr lang="en-US" dirty="0">
+              <a:solidFill>
+                <a:schemeClr val="tx1">
+                  <a:lumMod val="75000"/>
+                </a:schemeClr>
+              </a:solidFill>
+            </a:endParaRPr>
+          </a:p>
+        </p:txBody>
+      </p:sp>
+    </p:spTree>
+  </p:cSld>
+  <p:clrMapOvr>
+    <a:masterClrMapping/>
+  </p:clrMapOvr>
+  <mc:AlternateContent xmlns:mc="http://schemas.openxmlformats.org/markup-compatibility/2006">
+    <mc:Choice xmlns:p14="http://schemas.microsoft.com/office/powerpoint/2010/main" xmlns="" Requires="p14">
       <p:transition spd="med" p14:dur="700">
         <p:fade/>
       </p:transition>
